--- a/2023 T1/9311/ER1.pptx
+++ b/2023 T1/9311/ER1.pptx
@@ -6,6 +6,7 @@
   </p:sldMasterIdLst>
   <p:sldIdLst>
     <p:sldId id="256" r:id="rId2"/>
+    <p:sldId id="257" r:id="rId3"/>
   </p:sldIdLst>
   <p:sldSz cx="12192000" cy="6858000"/>
   <p:notesSz cx="6858000" cy="9144000"/>
@@ -104,6 +105,11 @@
       </a:defRPr>
     </a:lvl9pPr>
   </p:defaultTextStyle>
+  <p:extLst>
+    <p:ext uri="{EFAFB233-063F-42B5-8137-9DF3F51BA10A}">
+      <p15:sldGuideLst xmlns:p15="http://schemas.microsoft.com/office/powerpoint/2012/main"/>
+    </p:ext>
+  </p:extLst>
 </p:presentation>
 </file>
 
@@ -254,7 +260,7 @@
           <a:p>
             <a:fld id="{488F7881-5823-204D-9F18-B075F56A456C}" type="datetimeFigureOut">
               <a:rPr kumimoji="1" lang="zh-CN" altLang="en-US" smtClean="0"/>
-              <a:t>2023/2/15</a:t>
+              <a:t>2023/2/18</a:t>
             </a:fld>
             <a:endParaRPr kumimoji="1" lang="zh-CN" altLang="en-US"/>
           </a:p>
@@ -452,7 +458,7 @@
           <a:p>
             <a:fld id="{488F7881-5823-204D-9F18-B075F56A456C}" type="datetimeFigureOut">
               <a:rPr kumimoji="1" lang="zh-CN" altLang="en-US" smtClean="0"/>
-              <a:t>2023/2/15</a:t>
+              <a:t>2023/2/18</a:t>
             </a:fld>
             <a:endParaRPr kumimoji="1" lang="zh-CN" altLang="en-US"/>
           </a:p>
@@ -660,7 +666,7 @@
           <a:p>
             <a:fld id="{488F7881-5823-204D-9F18-B075F56A456C}" type="datetimeFigureOut">
               <a:rPr kumimoji="1" lang="zh-CN" altLang="en-US" smtClean="0"/>
-              <a:t>2023/2/15</a:t>
+              <a:t>2023/2/18</a:t>
             </a:fld>
             <a:endParaRPr kumimoji="1" lang="zh-CN" altLang="en-US"/>
           </a:p>
@@ -858,7 +864,7 @@
           <a:p>
             <a:fld id="{488F7881-5823-204D-9F18-B075F56A456C}" type="datetimeFigureOut">
               <a:rPr kumimoji="1" lang="zh-CN" altLang="en-US" smtClean="0"/>
-              <a:t>2023/2/15</a:t>
+              <a:t>2023/2/18</a:t>
             </a:fld>
             <a:endParaRPr kumimoji="1" lang="zh-CN" altLang="en-US"/>
           </a:p>
@@ -1133,7 +1139,7 @@
           <a:p>
             <a:fld id="{488F7881-5823-204D-9F18-B075F56A456C}" type="datetimeFigureOut">
               <a:rPr kumimoji="1" lang="zh-CN" altLang="en-US" smtClean="0"/>
-              <a:t>2023/2/15</a:t>
+              <a:t>2023/2/18</a:t>
             </a:fld>
             <a:endParaRPr kumimoji="1" lang="zh-CN" altLang="en-US"/>
           </a:p>
@@ -1398,7 +1404,7 @@
           <a:p>
             <a:fld id="{488F7881-5823-204D-9F18-B075F56A456C}" type="datetimeFigureOut">
               <a:rPr kumimoji="1" lang="zh-CN" altLang="en-US" smtClean="0"/>
-              <a:t>2023/2/15</a:t>
+              <a:t>2023/2/18</a:t>
             </a:fld>
             <a:endParaRPr kumimoji="1" lang="zh-CN" altLang="en-US"/>
           </a:p>
@@ -1810,7 +1816,7 @@
           <a:p>
             <a:fld id="{488F7881-5823-204D-9F18-B075F56A456C}" type="datetimeFigureOut">
               <a:rPr kumimoji="1" lang="zh-CN" altLang="en-US" smtClean="0"/>
-              <a:t>2023/2/15</a:t>
+              <a:t>2023/2/18</a:t>
             </a:fld>
             <a:endParaRPr kumimoji="1" lang="zh-CN" altLang="en-US"/>
           </a:p>
@@ -1951,7 +1957,7 @@
           <a:p>
             <a:fld id="{488F7881-5823-204D-9F18-B075F56A456C}" type="datetimeFigureOut">
               <a:rPr kumimoji="1" lang="zh-CN" altLang="en-US" smtClean="0"/>
-              <a:t>2023/2/15</a:t>
+              <a:t>2023/2/18</a:t>
             </a:fld>
             <a:endParaRPr kumimoji="1" lang="zh-CN" altLang="en-US"/>
           </a:p>
@@ -2064,7 +2070,7 @@
           <a:p>
             <a:fld id="{488F7881-5823-204D-9F18-B075F56A456C}" type="datetimeFigureOut">
               <a:rPr kumimoji="1" lang="zh-CN" altLang="en-US" smtClean="0"/>
-              <a:t>2023/2/15</a:t>
+              <a:t>2023/2/18</a:t>
             </a:fld>
             <a:endParaRPr kumimoji="1" lang="zh-CN" altLang="en-US"/>
           </a:p>
@@ -2375,7 +2381,7 @@
           <a:p>
             <a:fld id="{488F7881-5823-204D-9F18-B075F56A456C}" type="datetimeFigureOut">
               <a:rPr kumimoji="1" lang="zh-CN" altLang="en-US" smtClean="0"/>
-              <a:t>2023/2/15</a:t>
+              <a:t>2023/2/18</a:t>
             </a:fld>
             <a:endParaRPr kumimoji="1" lang="zh-CN" altLang="en-US"/>
           </a:p>
@@ -2663,7 +2669,7 @@
           <a:p>
             <a:fld id="{488F7881-5823-204D-9F18-B075F56A456C}" type="datetimeFigureOut">
               <a:rPr kumimoji="1" lang="zh-CN" altLang="en-US" smtClean="0"/>
-              <a:t>2023/2/15</a:t>
+              <a:t>2023/2/18</a:t>
             </a:fld>
             <a:endParaRPr kumimoji="1" lang="zh-CN" altLang="en-US"/>
           </a:p>
@@ -2904,7 +2910,7 @@
           <a:p>
             <a:fld id="{488F7881-5823-204D-9F18-B075F56A456C}" type="datetimeFigureOut">
               <a:rPr kumimoji="1" lang="zh-CN" altLang="en-US" smtClean="0"/>
-              <a:t>2023/2/15</a:t>
+              <a:t>2023/2/18</a:t>
             </a:fld>
             <a:endParaRPr kumimoji="1" lang="zh-CN" altLang="en-US"/>
           </a:p>
@@ -4322,6 +4328,3100 @@
 </p:sld>
 </file>
 
+<file path=ppt/slides/slide2.xml><?xml version="1.0" encoding="utf-8"?>
+<p:sld xmlns:a="http://schemas.openxmlformats.org/drawingml/2006/main" xmlns:r="http://schemas.openxmlformats.org/officeDocument/2006/relationships" xmlns:p="http://schemas.openxmlformats.org/presentationml/2006/main">
+  <p:cSld>
+    <p:bg>
+      <p:bgPr>
+        <a:solidFill>
+          <a:schemeClr val="bg1"/>
+        </a:solidFill>
+        <a:effectLst/>
+      </p:bgPr>
+    </p:bg>
+    <p:spTree>
+      <p:nvGrpSpPr>
+        <p:cNvPr id="1" name=""/>
+        <p:cNvGrpSpPr/>
+        <p:nvPr/>
+      </p:nvGrpSpPr>
+      <p:grpSpPr>
+        <a:xfrm>
+          <a:off x="0" y="0"/>
+          <a:ext cx="0" cy="0"/>
+          <a:chOff x="0" y="0"/>
+          <a:chExt cx="0" cy="0"/>
+        </a:xfrm>
+      </p:grpSpPr>
+      <p:sp>
+        <p:nvSpPr>
+          <p:cNvPr id="4" name="矩形 3">
+            <a:extLst>
+              <a:ext uri="{FF2B5EF4-FFF2-40B4-BE49-F238E27FC236}">
+                <a16:creationId xmlns:a16="http://schemas.microsoft.com/office/drawing/2014/main" id="{E5CA2693-FE5F-901D-EFB5-3AF2E47248A3}"/>
+              </a:ext>
+            </a:extLst>
+          </p:cNvPr>
+          <p:cNvSpPr/>
+          <p:nvPr/>
+        </p:nvSpPr>
+        <p:spPr>
+          <a:xfrm>
+            <a:off x="1926204" y="1684833"/>
+            <a:ext cx="1124607" cy="725214"/>
+          </a:xfrm>
+          <a:prstGeom prst="rect">
+            <a:avLst/>
+          </a:prstGeom>
+        </p:spPr>
+        <p:style>
+          <a:lnRef idx="2">
+            <a:schemeClr val="accent1">
+              <a:shade val="50000"/>
+            </a:schemeClr>
+          </a:lnRef>
+          <a:fillRef idx="1">
+            <a:schemeClr val="accent1"/>
+          </a:fillRef>
+          <a:effectRef idx="0">
+            <a:schemeClr val="accent1"/>
+          </a:effectRef>
+          <a:fontRef idx="minor">
+            <a:schemeClr val="lt1"/>
+          </a:fontRef>
+        </p:style>
+        <p:txBody>
+          <a:bodyPr rtlCol="0" anchor="ctr"/>
+          <a:lstStyle/>
+          <a:p>
+            <a:pPr algn="ctr"/>
+            <a:r>
+              <a:rPr kumimoji="1" lang="en-US" altLang="zh-CN" dirty="0"/>
+              <a:t>teams</a:t>
+            </a:r>
+            <a:endParaRPr kumimoji="1" lang="zh-CN" altLang="en-US" dirty="0"/>
+          </a:p>
+        </p:txBody>
+      </p:sp>
+      <p:sp>
+        <p:nvSpPr>
+          <p:cNvPr id="5" name="椭圆 4">
+            <a:extLst>
+              <a:ext uri="{FF2B5EF4-FFF2-40B4-BE49-F238E27FC236}">
+                <a16:creationId xmlns:a16="http://schemas.microsoft.com/office/drawing/2014/main" id="{190FC751-88CF-B9ED-C607-51D4590BB664}"/>
+              </a:ext>
+            </a:extLst>
+          </p:cNvPr>
+          <p:cNvSpPr/>
+          <p:nvPr/>
+        </p:nvSpPr>
+        <p:spPr>
+          <a:xfrm>
+            <a:off x="178384" y="231436"/>
+            <a:ext cx="1523512" cy="662152"/>
+          </a:xfrm>
+          <a:prstGeom prst="ellipse">
+            <a:avLst/>
+          </a:prstGeom>
+        </p:spPr>
+        <p:style>
+          <a:lnRef idx="2">
+            <a:schemeClr val="accent1">
+              <a:shade val="50000"/>
+            </a:schemeClr>
+          </a:lnRef>
+          <a:fillRef idx="1">
+            <a:schemeClr val="accent1"/>
+          </a:fillRef>
+          <a:effectRef idx="0">
+            <a:schemeClr val="accent1"/>
+          </a:effectRef>
+          <a:fontRef idx="minor">
+            <a:schemeClr val="lt1"/>
+          </a:fontRef>
+        </p:style>
+        <p:txBody>
+          <a:bodyPr rtlCol="0" anchor="ctr"/>
+          <a:lstStyle/>
+          <a:p>
+            <a:pPr algn="ctr"/>
+            <a:r>
+              <a:rPr kumimoji="1" lang="en-US" altLang="zh-CN" u="sng" dirty="0"/>
+              <a:t>Team-id</a:t>
+            </a:r>
+            <a:endParaRPr kumimoji="1" lang="zh-CN" altLang="en-US" u="sng" dirty="0"/>
+          </a:p>
+        </p:txBody>
+      </p:sp>
+      <p:cxnSp>
+        <p:nvCxnSpPr>
+          <p:cNvPr id="7" name="直线连接符 6">
+            <a:extLst>
+              <a:ext uri="{FF2B5EF4-FFF2-40B4-BE49-F238E27FC236}">
+                <a16:creationId xmlns:a16="http://schemas.microsoft.com/office/drawing/2014/main" id="{64A43D4A-BDEE-6760-A8FF-600BEB65964F}"/>
+              </a:ext>
+            </a:extLst>
+          </p:cNvPr>
+          <p:cNvCxnSpPr>
+            <a:stCxn id="5" idx="5"/>
+            <a:endCxn id="4" idx="0"/>
+          </p:cNvCxnSpPr>
+          <p:nvPr/>
+        </p:nvCxnSpPr>
+        <p:spPr>
+          <a:xfrm>
+            <a:off x="1478783" y="796618"/>
+            <a:ext cx="1009725" cy="888215"/>
+          </a:xfrm>
+          <a:prstGeom prst="line">
+            <a:avLst/>
+          </a:prstGeom>
+          <a:ln w="19050">
+            <a:solidFill>
+              <a:schemeClr val="accent1"/>
+            </a:solidFill>
+          </a:ln>
+        </p:spPr>
+        <p:style>
+          <a:lnRef idx="1">
+            <a:schemeClr val="accent1"/>
+          </a:lnRef>
+          <a:fillRef idx="0">
+            <a:schemeClr val="accent1"/>
+          </a:fillRef>
+          <a:effectRef idx="0">
+            <a:schemeClr val="accent1"/>
+          </a:effectRef>
+          <a:fontRef idx="minor">
+            <a:schemeClr val="tx1"/>
+          </a:fontRef>
+        </p:style>
+      </p:cxnSp>
+      <p:cxnSp>
+        <p:nvCxnSpPr>
+          <p:cNvPr id="8" name="直线连接符 7">
+            <a:extLst>
+              <a:ext uri="{FF2B5EF4-FFF2-40B4-BE49-F238E27FC236}">
+                <a16:creationId xmlns:a16="http://schemas.microsoft.com/office/drawing/2014/main" id="{37FAFED2-2A41-9BE8-90CC-DCA47D635875}"/>
+              </a:ext>
+            </a:extLst>
+          </p:cNvPr>
+          <p:cNvCxnSpPr>
+            <a:cxnSpLocks/>
+            <a:stCxn id="4" idx="0"/>
+            <a:endCxn id="14" idx="6"/>
+          </p:cNvCxnSpPr>
+          <p:nvPr/>
+        </p:nvCxnSpPr>
+        <p:spPr>
+          <a:xfrm flipH="1" flipV="1">
+            <a:off x="1730639" y="1434668"/>
+            <a:ext cx="757869" cy="250165"/>
+          </a:xfrm>
+          <a:prstGeom prst="line">
+            <a:avLst/>
+          </a:prstGeom>
+          <a:ln w="19050">
+            <a:solidFill>
+              <a:schemeClr val="accent1"/>
+            </a:solidFill>
+          </a:ln>
+        </p:spPr>
+        <p:style>
+          <a:lnRef idx="1">
+            <a:schemeClr val="accent1"/>
+          </a:lnRef>
+          <a:fillRef idx="0">
+            <a:schemeClr val="accent1"/>
+          </a:fillRef>
+          <a:effectRef idx="0">
+            <a:schemeClr val="accent1"/>
+          </a:effectRef>
+          <a:fontRef idx="minor">
+            <a:schemeClr val="tx1"/>
+          </a:fontRef>
+        </p:style>
+      </p:cxnSp>
+      <p:cxnSp>
+        <p:nvCxnSpPr>
+          <p:cNvPr id="9" name="直线连接符 8">
+            <a:extLst>
+              <a:ext uri="{FF2B5EF4-FFF2-40B4-BE49-F238E27FC236}">
+                <a16:creationId xmlns:a16="http://schemas.microsoft.com/office/drawing/2014/main" id="{EC215085-7C51-116F-1A86-CAC4E534C144}"/>
+              </a:ext>
+            </a:extLst>
+          </p:cNvPr>
+          <p:cNvCxnSpPr>
+            <a:cxnSpLocks/>
+            <a:stCxn id="15" idx="4"/>
+            <a:endCxn id="4" idx="0"/>
+          </p:cNvCxnSpPr>
+          <p:nvPr/>
+        </p:nvCxnSpPr>
+        <p:spPr>
+          <a:xfrm flipH="1">
+            <a:off x="2488508" y="1281220"/>
+            <a:ext cx="158399" cy="403613"/>
+          </a:xfrm>
+          <a:prstGeom prst="line">
+            <a:avLst/>
+          </a:prstGeom>
+          <a:ln w="19050">
+            <a:solidFill>
+              <a:schemeClr val="accent1"/>
+            </a:solidFill>
+          </a:ln>
+        </p:spPr>
+        <p:style>
+          <a:lnRef idx="1">
+            <a:schemeClr val="accent1"/>
+          </a:lnRef>
+          <a:fillRef idx="0">
+            <a:schemeClr val="accent1"/>
+          </a:fillRef>
+          <a:effectRef idx="0">
+            <a:schemeClr val="accent1"/>
+          </a:effectRef>
+          <a:fontRef idx="minor">
+            <a:schemeClr val="tx1"/>
+          </a:fontRef>
+        </p:style>
+      </p:cxnSp>
+      <p:cxnSp>
+        <p:nvCxnSpPr>
+          <p:cNvPr id="10" name="直线连接符 9">
+            <a:extLst>
+              <a:ext uri="{FF2B5EF4-FFF2-40B4-BE49-F238E27FC236}">
+                <a16:creationId xmlns:a16="http://schemas.microsoft.com/office/drawing/2014/main" id="{3E612E66-6AEC-9098-51DB-4D8C10B7E3AA}"/>
+              </a:ext>
+            </a:extLst>
+          </p:cNvPr>
+          <p:cNvCxnSpPr>
+            <a:cxnSpLocks/>
+            <a:stCxn id="4" idx="2"/>
+            <a:endCxn id="62" idx="1"/>
+          </p:cNvCxnSpPr>
+          <p:nvPr/>
+        </p:nvCxnSpPr>
+        <p:spPr>
+          <a:xfrm>
+            <a:off x="2488508" y="2410047"/>
+            <a:ext cx="648635" cy="539599"/>
+          </a:xfrm>
+          <a:prstGeom prst="line">
+            <a:avLst/>
+          </a:prstGeom>
+          <a:ln w="19050">
+            <a:solidFill>
+              <a:schemeClr val="accent1"/>
+            </a:solidFill>
+          </a:ln>
+        </p:spPr>
+        <p:style>
+          <a:lnRef idx="1">
+            <a:schemeClr val="accent1"/>
+          </a:lnRef>
+          <a:fillRef idx="0">
+            <a:schemeClr val="accent1"/>
+          </a:fillRef>
+          <a:effectRef idx="0">
+            <a:schemeClr val="accent1"/>
+          </a:effectRef>
+          <a:fontRef idx="minor">
+            <a:schemeClr val="tx1"/>
+          </a:fontRef>
+        </p:style>
+      </p:cxnSp>
+      <p:sp>
+        <p:nvSpPr>
+          <p:cNvPr id="14" name="椭圆 13">
+            <a:extLst>
+              <a:ext uri="{FF2B5EF4-FFF2-40B4-BE49-F238E27FC236}">
+                <a16:creationId xmlns:a16="http://schemas.microsoft.com/office/drawing/2014/main" id="{C782227A-8611-BC94-25AB-5B63D2622373}"/>
+              </a:ext>
+            </a:extLst>
+          </p:cNvPr>
+          <p:cNvSpPr/>
+          <p:nvPr/>
+        </p:nvSpPr>
+        <p:spPr>
+          <a:xfrm>
+            <a:off x="606032" y="1103592"/>
+            <a:ext cx="1124607" cy="662152"/>
+          </a:xfrm>
+          <a:prstGeom prst="ellipse">
+            <a:avLst/>
+          </a:prstGeom>
+        </p:spPr>
+        <p:style>
+          <a:lnRef idx="2">
+            <a:schemeClr val="accent1">
+              <a:shade val="50000"/>
+            </a:schemeClr>
+          </a:lnRef>
+          <a:fillRef idx="1">
+            <a:schemeClr val="accent1"/>
+          </a:fillRef>
+          <a:effectRef idx="0">
+            <a:schemeClr val="accent1"/>
+          </a:effectRef>
+          <a:fontRef idx="minor">
+            <a:schemeClr val="lt1"/>
+          </a:fontRef>
+        </p:style>
+        <p:txBody>
+          <a:bodyPr rtlCol="0" anchor="ctr"/>
+          <a:lstStyle/>
+          <a:p>
+            <a:pPr algn="ctr"/>
+            <a:r>
+              <a:rPr kumimoji="1" lang="en-US" altLang="zh-CN" dirty="0"/>
+              <a:t>name</a:t>
+            </a:r>
+            <a:endParaRPr kumimoji="1" lang="zh-CN" altLang="en-US" dirty="0"/>
+          </a:p>
+        </p:txBody>
+      </p:sp>
+      <p:sp>
+        <p:nvSpPr>
+          <p:cNvPr id="15" name="椭圆 14">
+            <a:extLst>
+              <a:ext uri="{FF2B5EF4-FFF2-40B4-BE49-F238E27FC236}">
+                <a16:creationId xmlns:a16="http://schemas.microsoft.com/office/drawing/2014/main" id="{B31BB32C-085B-61FA-814A-67219E230B88}"/>
+              </a:ext>
+            </a:extLst>
+          </p:cNvPr>
+          <p:cNvSpPr/>
+          <p:nvPr/>
+        </p:nvSpPr>
+        <p:spPr>
+          <a:xfrm>
+            <a:off x="1867612" y="693558"/>
+            <a:ext cx="1558590" cy="587662"/>
+          </a:xfrm>
+          <a:prstGeom prst="ellipse">
+            <a:avLst/>
+          </a:prstGeom>
+        </p:spPr>
+        <p:style>
+          <a:lnRef idx="2">
+            <a:schemeClr val="accent1">
+              <a:shade val="50000"/>
+            </a:schemeClr>
+          </a:lnRef>
+          <a:fillRef idx="1">
+            <a:schemeClr val="accent1"/>
+          </a:fillRef>
+          <a:effectRef idx="0">
+            <a:schemeClr val="accent1"/>
+          </a:effectRef>
+          <a:fontRef idx="minor">
+            <a:schemeClr val="lt1"/>
+          </a:fontRef>
+        </p:style>
+        <p:txBody>
+          <a:bodyPr rtlCol="0" anchor="ctr"/>
+          <a:lstStyle/>
+          <a:p>
+            <a:pPr algn="ctr"/>
+            <a:r>
+              <a:rPr kumimoji="1" lang="en-US" altLang="zh-CN" dirty="0"/>
+              <a:t>Member</a:t>
+            </a:r>
+            <a:r>
+              <a:rPr kumimoji="1" lang="zh-CN" altLang="en-US" dirty="0"/>
+              <a:t> </a:t>
+            </a:r>
+            <a:r>
+              <a:rPr kumimoji="1" lang="en-US" altLang="zh-CN" dirty="0"/>
+              <a:t>number</a:t>
+            </a:r>
+            <a:endParaRPr kumimoji="1" lang="zh-CN" altLang="en-US" dirty="0"/>
+          </a:p>
+        </p:txBody>
+      </p:sp>
+      <p:sp>
+        <p:nvSpPr>
+          <p:cNvPr id="21" name="矩形 20">
+            <a:extLst>
+              <a:ext uri="{FF2B5EF4-FFF2-40B4-BE49-F238E27FC236}">
+                <a16:creationId xmlns:a16="http://schemas.microsoft.com/office/drawing/2014/main" id="{17D58CF7-A12A-BD0C-CD0B-0B776DD75886}"/>
+              </a:ext>
+            </a:extLst>
+          </p:cNvPr>
+          <p:cNvSpPr/>
+          <p:nvPr/>
+        </p:nvSpPr>
+        <p:spPr>
+          <a:xfrm>
+            <a:off x="4680660" y="1092401"/>
+            <a:ext cx="1124607" cy="725214"/>
+          </a:xfrm>
+          <a:prstGeom prst="rect">
+            <a:avLst/>
+          </a:prstGeom>
+        </p:spPr>
+        <p:style>
+          <a:lnRef idx="2">
+            <a:schemeClr val="accent1">
+              <a:shade val="50000"/>
+            </a:schemeClr>
+          </a:lnRef>
+          <a:fillRef idx="1">
+            <a:schemeClr val="accent1"/>
+          </a:fillRef>
+          <a:effectRef idx="0">
+            <a:schemeClr val="accent1"/>
+          </a:effectRef>
+          <a:fontRef idx="minor">
+            <a:schemeClr val="lt1"/>
+          </a:fontRef>
+        </p:style>
+        <p:txBody>
+          <a:bodyPr rtlCol="0" anchor="ctr"/>
+          <a:lstStyle/>
+          <a:p>
+            <a:pPr algn="ctr"/>
+            <a:r>
+              <a:rPr kumimoji="1" lang="en-US" altLang="zh-CN" dirty="0"/>
+              <a:t>worker</a:t>
+            </a:r>
+            <a:endParaRPr kumimoji="1" lang="zh-CN" altLang="en-US" dirty="0"/>
+          </a:p>
+        </p:txBody>
+      </p:sp>
+      <p:sp>
+        <p:nvSpPr>
+          <p:cNvPr id="22" name="椭圆 21">
+            <a:extLst>
+              <a:ext uri="{FF2B5EF4-FFF2-40B4-BE49-F238E27FC236}">
+                <a16:creationId xmlns:a16="http://schemas.microsoft.com/office/drawing/2014/main" id="{20DB8213-E541-F9E8-CE7D-3B84E70B3E72}"/>
+              </a:ext>
+            </a:extLst>
+          </p:cNvPr>
+          <p:cNvSpPr/>
+          <p:nvPr/>
+        </p:nvSpPr>
+        <p:spPr>
+          <a:xfrm>
+            <a:off x="4628770" y="60166"/>
+            <a:ext cx="1523512" cy="662152"/>
+          </a:xfrm>
+          <a:prstGeom prst="ellipse">
+            <a:avLst/>
+          </a:prstGeom>
+        </p:spPr>
+        <p:style>
+          <a:lnRef idx="2">
+            <a:schemeClr val="accent1">
+              <a:shade val="50000"/>
+            </a:schemeClr>
+          </a:lnRef>
+          <a:fillRef idx="1">
+            <a:schemeClr val="accent1"/>
+          </a:fillRef>
+          <a:effectRef idx="0">
+            <a:schemeClr val="accent1"/>
+          </a:effectRef>
+          <a:fontRef idx="minor">
+            <a:schemeClr val="lt1"/>
+          </a:fontRef>
+        </p:style>
+        <p:txBody>
+          <a:bodyPr rtlCol="0" anchor="ctr"/>
+          <a:lstStyle/>
+          <a:p>
+            <a:pPr algn="ctr"/>
+            <a:r>
+              <a:rPr kumimoji="1" lang="en-US" altLang="zh-CN" u="sng" dirty="0"/>
+              <a:t>id</a:t>
+            </a:r>
+            <a:endParaRPr kumimoji="1" lang="zh-CN" altLang="en-US" u="sng" dirty="0"/>
+          </a:p>
+        </p:txBody>
+      </p:sp>
+      <p:cxnSp>
+        <p:nvCxnSpPr>
+          <p:cNvPr id="23" name="直线连接符 22">
+            <a:extLst>
+              <a:ext uri="{FF2B5EF4-FFF2-40B4-BE49-F238E27FC236}">
+                <a16:creationId xmlns:a16="http://schemas.microsoft.com/office/drawing/2014/main" id="{ABC2E021-8F8D-3889-B1AD-6DAB451A00F5}"/>
+              </a:ext>
+            </a:extLst>
+          </p:cNvPr>
+          <p:cNvCxnSpPr>
+            <a:cxnSpLocks/>
+            <a:stCxn id="22" idx="4"/>
+            <a:endCxn id="21" idx="0"/>
+          </p:cNvCxnSpPr>
+          <p:nvPr/>
+        </p:nvCxnSpPr>
+        <p:spPr>
+          <a:xfrm flipH="1">
+            <a:off x="5242964" y="722318"/>
+            <a:ext cx="147562" cy="370083"/>
+          </a:xfrm>
+          <a:prstGeom prst="line">
+            <a:avLst/>
+          </a:prstGeom>
+          <a:ln w="19050">
+            <a:solidFill>
+              <a:schemeClr val="accent1"/>
+            </a:solidFill>
+          </a:ln>
+        </p:spPr>
+        <p:style>
+          <a:lnRef idx="1">
+            <a:schemeClr val="accent1"/>
+          </a:lnRef>
+          <a:fillRef idx="0">
+            <a:schemeClr val="accent1"/>
+          </a:fillRef>
+          <a:effectRef idx="0">
+            <a:schemeClr val="accent1"/>
+          </a:effectRef>
+          <a:fontRef idx="minor">
+            <a:schemeClr val="tx1"/>
+          </a:fontRef>
+        </p:style>
+      </p:cxnSp>
+      <p:cxnSp>
+        <p:nvCxnSpPr>
+          <p:cNvPr id="24" name="直线连接符 23">
+            <a:extLst>
+              <a:ext uri="{FF2B5EF4-FFF2-40B4-BE49-F238E27FC236}">
+                <a16:creationId xmlns:a16="http://schemas.microsoft.com/office/drawing/2014/main" id="{B7BF1D56-C3ED-BAEC-7F83-0D8270DF78A9}"/>
+              </a:ext>
+            </a:extLst>
+          </p:cNvPr>
+          <p:cNvCxnSpPr>
+            <a:cxnSpLocks/>
+            <a:stCxn id="21" idx="0"/>
+            <a:endCxn id="27" idx="5"/>
+          </p:cNvCxnSpPr>
+          <p:nvPr/>
+        </p:nvCxnSpPr>
+        <p:spPr>
+          <a:xfrm flipH="1" flipV="1">
+            <a:off x="4373770" y="844440"/>
+            <a:ext cx="869194" cy="247961"/>
+          </a:xfrm>
+          <a:prstGeom prst="line">
+            <a:avLst/>
+          </a:prstGeom>
+          <a:ln w="19050">
+            <a:solidFill>
+              <a:schemeClr val="accent1"/>
+            </a:solidFill>
+          </a:ln>
+        </p:spPr>
+        <p:style>
+          <a:lnRef idx="1">
+            <a:schemeClr val="accent1"/>
+          </a:lnRef>
+          <a:fillRef idx="0">
+            <a:schemeClr val="accent1"/>
+          </a:fillRef>
+          <a:effectRef idx="0">
+            <a:schemeClr val="accent1"/>
+          </a:effectRef>
+          <a:fontRef idx="minor">
+            <a:schemeClr val="tx1"/>
+          </a:fontRef>
+        </p:style>
+      </p:cxnSp>
+      <p:cxnSp>
+        <p:nvCxnSpPr>
+          <p:cNvPr id="25" name="直线连接符 24">
+            <a:extLst>
+              <a:ext uri="{FF2B5EF4-FFF2-40B4-BE49-F238E27FC236}">
+                <a16:creationId xmlns:a16="http://schemas.microsoft.com/office/drawing/2014/main" id="{529ED425-6857-9EB6-EC8C-A723594E1D02}"/>
+              </a:ext>
+            </a:extLst>
+          </p:cNvPr>
+          <p:cNvCxnSpPr>
+            <a:cxnSpLocks/>
+            <a:stCxn id="28" idx="0"/>
+            <a:endCxn id="21" idx="2"/>
+          </p:cNvCxnSpPr>
+          <p:nvPr/>
+        </p:nvCxnSpPr>
+        <p:spPr>
+          <a:xfrm flipH="1" flipV="1">
+            <a:off x="5242964" y="1817615"/>
+            <a:ext cx="1189928" cy="254658"/>
+          </a:xfrm>
+          <a:prstGeom prst="line">
+            <a:avLst/>
+          </a:prstGeom>
+          <a:ln w="19050">
+            <a:solidFill>
+              <a:schemeClr val="accent1"/>
+            </a:solidFill>
+          </a:ln>
+        </p:spPr>
+        <p:style>
+          <a:lnRef idx="1">
+            <a:schemeClr val="accent1"/>
+          </a:lnRef>
+          <a:fillRef idx="0">
+            <a:schemeClr val="accent1"/>
+          </a:fillRef>
+          <a:effectRef idx="0">
+            <a:schemeClr val="accent1"/>
+          </a:effectRef>
+          <a:fontRef idx="minor">
+            <a:schemeClr val="tx1"/>
+          </a:fontRef>
+        </p:style>
+      </p:cxnSp>
+      <p:cxnSp>
+        <p:nvCxnSpPr>
+          <p:cNvPr id="26" name="直线连接符 25">
+            <a:extLst>
+              <a:ext uri="{FF2B5EF4-FFF2-40B4-BE49-F238E27FC236}">
+                <a16:creationId xmlns:a16="http://schemas.microsoft.com/office/drawing/2014/main" id="{6985B8D5-AD87-2011-83A6-929903B9D257}"/>
+              </a:ext>
+            </a:extLst>
+          </p:cNvPr>
+          <p:cNvCxnSpPr>
+            <a:cxnSpLocks/>
+            <a:stCxn id="21" idx="0"/>
+            <a:endCxn id="29" idx="4"/>
+          </p:cNvCxnSpPr>
+          <p:nvPr/>
+        </p:nvCxnSpPr>
+        <p:spPr>
+          <a:xfrm flipV="1">
+            <a:off x="5242964" y="722318"/>
+            <a:ext cx="1769219" cy="370083"/>
+          </a:xfrm>
+          <a:prstGeom prst="line">
+            <a:avLst/>
+          </a:prstGeom>
+          <a:ln w="19050">
+            <a:solidFill>
+              <a:schemeClr val="accent1"/>
+            </a:solidFill>
+          </a:ln>
+        </p:spPr>
+        <p:style>
+          <a:lnRef idx="1">
+            <a:schemeClr val="accent1"/>
+          </a:lnRef>
+          <a:fillRef idx="0">
+            <a:schemeClr val="accent1"/>
+          </a:fillRef>
+          <a:effectRef idx="0">
+            <a:schemeClr val="accent1"/>
+          </a:effectRef>
+          <a:fontRef idx="minor">
+            <a:schemeClr val="tx1"/>
+          </a:fontRef>
+        </p:style>
+      </p:cxnSp>
+      <p:sp>
+        <p:nvSpPr>
+          <p:cNvPr id="27" name="椭圆 26">
+            <a:extLst>
+              <a:ext uri="{FF2B5EF4-FFF2-40B4-BE49-F238E27FC236}">
+                <a16:creationId xmlns:a16="http://schemas.microsoft.com/office/drawing/2014/main" id="{249082A7-D34C-DB06-7346-63DB0FEC61F8}"/>
+              </a:ext>
+            </a:extLst>
+          </p:cNvPr>
+          <p:cNvSpPr/>
+          <p:nvPr/>
+        </p:nvSpPr>
+        <p:spPr>
+          <a:xfrm>
+            <a:off x="3413858" y="279258"/>
+            <a:ext cx="1124607" cy="662152"/>
+          </a:xfrm>
+          <a:prstGeom prst="ellipse">
+            <a:avLst/>
+          </a:prstGeom>
+        </p:spPr>
+        <p:style>
+          <a:lnRef idx="2">
+            <a:schemeClr val="accent1">
+              <a:shade val="50000"/>
+            </a:schemeClr>
+          </a:lnRef>
+          <a:fillRef idx="1">
+            <a:schemeClr val="accent1"/>
+          </a:fillRef>
+          <a:effectRef idx="0">
+            <a:schemeClr val="accent1"/>
+          </a:effectRef>
+          <a:fontRef idx="minor">
+            <a:schemeClr val="lt1"/>
+          </a:fontRef>
+        </p:style>
+        <p:txBody>
+          <a:bodyPr rtlCol="0" anchor="ctr"/>
+          <a:lstStyle/>
+          <a:p>
+            <a:pPr algn="ctr"/>
+            <a:r>
+              <a:rPr kumimoji="1" lang="en-US" altLang="zh-CN" dirty="0"/>
+              <a:t>name</a:t>
+            </a:r>
+            <a:endParaRPr kumimoji="1" lang="zh-CN" altLang="en-US" dirty="0"/>
+          </a:p>
+        </p:txBody>
+      </p:sp>
+      <p:sp>
+        <p:nvSpPr>
+          <p:cNvPr id="28" name="椭圆 27">
+            <a:extLst>
+              <a:ext uri="{FF2B5EF4-FFF2-40B4-BE49-F238E27FC236}">
+                <a16:creationId xmlns:a16="http://schemas.microsoft.com/office/drawing/2014/main" id="{0F02DC21-33EE-6E89-F5F6-77B8704F6828}"/>
+              </a:ext>
+            </a:extLst>
+          </p:cNvPr>
+          <p:cNvSpPr/>
+          <p:nvPr/>
+        </p:nvSpPr>
+        <p:spPr>
+          <a:xfrm>
+            <a:off x="5671136" y="2072273"/>
+            <a:ext cx="1523512" cy="662152"/>
+          </a:xfrm>
+          <a:prstGeom prst="ellipse">
+            <a:avLst/>
+          </a:prstGeom>
+        </p:spPr>
+        <p:style>
+          <a:lnRef idx="2">
+            <a:schemeClr val="accent1">
+              <a:shade val="50000"/>
+            </a:schemeClr>
+          </a:lnRef>
+          <a:fillRef idx="1">
+            <a:schemeClr val="accent1"/>
+          </a:fillRef>
+          <a:effectRef idx="0">
+            <a:schemeClr val="accent1"/>
+          </a:effectRef>
+          <a:fontRef idx="minor">
+            <a:schemeClr val="lt1"/>
+          </a:fontRef>
+        </p:style>
+        <p:txBody>
+          <a:bodyPr rtlCol="0" anchor="ctr"/>
+          <a:lstStyle/>
+          <a:p>
+            <a:pPr algn="ctr"/>
+            <a:r>
+              <a:rPr kumimoji="1" lang="en-US" altLang="zh-CN" dirty="0"/>
+              <a:t>phone</a:t>
+            </a:r>
+            <a:r>
+              <a:rPr kumimoji="1" lang="zh-CN" altLang="en-US" dirty="0"/>
+              <a:t> </a:t>
+            </a:r>
+            <a:r>
+              <a:rPr kumimoji="1" lang="en-US" altLang="zh-CN" dirty="0"/>
+              <a:t>number</a:t>
+            </a:r>
+            <a:endParaRPr kumimoji="1" lang="zh-CN" altLang="en-US" dirty="0"/>
+          </a:p>
+        </p:txBody>
+      </p:sp>
+      <p:sp>
+        <p:nvSpPr>
+          <p:cNvPr id="29" name="椭圆 28">
+            <a:extLst>
+              <a:ext uri="{FF2B5EF4-FFF2-40B4-BE49-F238E27FC236}">
+                <a16:creationId xmlns:a16="http://schemas.microsoft.com/office/drawing/2014/main" id="{DC448AB4-C825-78DE-3C10-C31785BD4AD6}"/>
+              </a:ext>
+            </a:extLst>
+          </p:cNvPr>
+          <p:cNvSpPr/>
+          <p:nvPr/>
+        </p:nvSpPr>
+        <p:spPr>
+          <a:xfrm>
+            <a:off x="6250427" y="60166"/>
+            <a:ext cx="1523512" cy="662152"/>
+          </a:xfrm>
+          <a:prstGeom prst="ellipse">
+            <a:avLst/>
+          </a:prstGeom>
+        </p:spPr>
+        <p:style>
+          <a:lnRef idx="2">
+            <a:schemeClr val="accent1">
+              <a:shade val="50000"/>
+            </a:schemeClr>
+          </a:lnRef>
+          <a:fillRef idx="1">
+            <a:schemeClr val="accent1"/>
+          </a:fillRef>
+          <a:effectRef idx="0">
+            <a:schemeClr val="accent1"/>
+          </a:effectRef>
+          <a:fontRef idx="minor">
+            <a:schemeClr val="lt1"/>
+          </a:fontRef>
+        </p:style>
+        <p:txBody>
+          <a:bodyPr rtlCol="0" anchor="ctr"/>
+          <a:lstStyle/>
+          <a:p>
+            <a:pPr algn="ctr"/>
+            <a:r>
+              <a:rPr kumimoji="1" lang="en-US" altLang="zh-CN" dirty="0"/>
+              <a:t>salary</a:t>
+            </a:r>
+            <a:endParaRPr kumimoji="1" lang="zh-CN" altLang="en-US" dirty="0"/>
+          </a:p>
+        </p:txBody>
+      </p:sp>
+      <p:sp>
+        <p:nvSpPr>
+          <p:cNvPr id="39" name="矩形 38">
+            <a:extLst>
+              <a:ext uri="{FF2B5EF4-FFF2-40B4-BE49-F238E27FC236}">
+                <a16:creationId xmlns:a16="http://schemas.microsoft.com/office/drawing/2014/main" id="{978EE6F0-743A-5872-7BB5-DD8A5CC83B2B}"/>
+              </a:ext>
+            </a:extLst>
+          </p:cNvPr>
+          <p:cNvSpPr/>
+          <p:nvPr/>
+        </p:nvSpPr>
+        <p:spPr>
+          <a:xfrm>
+            <a:off x="4455353" y="4211198"/>
+            <a:ext cx="1124607" cy="725214"/>
+          </a:xfrm>
+          <a:prstGeom prst="rect">
+            <a:avLst/>
+          </a:prstGeom>
+        </p:spPr>
+        <p:style>
+          <a:lnRef idx="2">
+            <a:schemeClr val="accent1">
+              <a:shade val="50000"/>
+            </a:schemeClr>
+          </a:lnRef>
+          <a:fillRef idx="1">
+            <a:schemeClr val="accent1"/>
+          </a:fillRef>
+          <a:effectRef idx="0">
+            <a:schemeClr val="accent1"/>
+          </a:effectRef>
+          <a:fontRef idx="minor">
+            <a:schemeClr val="lt1"/>
+          </a:fontRef>
+        </p:style>
+        <p:txBody>
+          <a:bodyPr rtlCol="0" anchor="ctr"/>
+          <a:lstStyle/>
+          <a:p>
+            <a:pPr algn="ctr"/>
+            <a:r>
+              <a:rPr kumimoji="1" lang="en-US" altLang="zh-CN" dirty="0"/>
+              <a:t>vehicles</a:t>
+            </a:r>
+            <a:endParaRPr kumimoji="1" lang="zh-CN" altLang="en-US" dirty="0"/>
+          </a:p>
+        </p:txBody>
+      </p:sp>
+      <p:sp>
+        <p:nvSpPr>
+          <p:cNvPr id="40" name="椭圆 39">
+            <a:extLst>
+              <a:ext uri="{FF2B5EF4-FFF2-40B4-BE49-F238E27FC236}">
+                <a16:creationId xmlns:a16="http://schemas.microsoft.com/office/drawing/2014/main" id="{750D7C99-47E4-B0EA-0D39-D9F42240E475}"/>
+              </a:ext>
+            </a:extLst>
+          </p:cNvPr>
+          <p:cNvSpPr/>
+          <p:nvPr/>
+        </p:nvSpPr>
+        <p:spPr>
+          <a:xfrm>
+            <a:off x="5579960" y="3359440"/>
+            <a:ext cx="2180112" cy="662152"/>
+          </a:xfrm>
+          <a:prstGeom prst="ellipse">
+            <a:avLst/>
+          </a:prstGeom>
+        </p:spPr>
+        <p:style>
+          <a:lnRef idx="2">
+            <a:schemeClr val="accent1">
+              <a:shade val="50000"/>
+            </a:schemeClr>
+          </a:lnRef>
+          <a:fillRef idx="1">
+            <a:schemeClr val="accent1"/>
+          </a:fillRef>
+          <a:effectRef idx="0">
+            <a:schemeClr val="accent1"/>
+          </a:effectRef>
+          <a:fontRef idx="minor">
+            <a:schemeClr val="lt1"/>
+          </a:fontRef>
+        </p:style>
+        <p:txBody>
+          <a:bodyPr rtlCol="0" anchor="ctr"/>
+          <a:lstStyle/>
+          <a:p>
+            <a:pPr algn="ctr"/>
+            <a:r>
+              <a:rPr kumimoji="1" lang="en-US" altLang="zh-CN" u="sng" dirty="0"/>
+              <a:t>Plate</a:t>
+            </a:r>
+            <a:r>
+              <a:rPr kumimoji="1" lang="zh-CN" altLang="en-US" u="sng" dirty="0"/>
+              <a:t> </a:t>
+            </a:r>
+            <a:r>
+              <a:rPr kumimoji="1" lang="en-US" altLang="zh-CN" u="sng" dirty="0"/>
+              <a:t>number</a:t>
+            </a:r>
+            <a:endParaRPr kumimoji="1" lang="zh-CN" altLang="en-US" u="sng" dirty="0"/>
+          </a:p>
+        </p:txBody>
+      </p:sp>
+      <p:cxnSp>
+        <p:nvCxnSpPr>
+          <p:cNvPr id="41" name="直线连接符 40">
+            <a:extLst>
+              <a:ext uri="{FF2B5EF4-FFF2-40B4-BE49-F238E27FC236}">
+                <a16:creationId xmlns:a16="http://schemas.microsoft.com/office/drawing/2014/main" id="{137B19BF-5D48-40A1-10FA-77FB35985091}"/>
+              </a:ext>
+            </a:extLst>
+          </p:cNvPr>
+          <p:cNvCxnSpPr>
+            <a:cxnSpLocks/>
+            <a:stCxn id="40" idx="4"/>
+            <a:endCxn id="39" idx="0"/>
+          </p:cNvCxnSpPr>
+          <p:nvPr/>
+        </p:nvCxnSpPr>
+        <p:spPr>
+          <a:xfrm flipH="1">
+            <a:off x="5017657" y="4021592"/>
+            <a:ext cx="1652359" cy="189606"/>
+          </a:xfrm>
+          <a:prstGeom prst="line">
+            <a:avLst/>
+          </a:prstGeom>
+          <a:ln w="19050">
+            <a:solidFill>
+              <a:schemeClr val="accent1"/>
+            </a:solidFill>
+          </a:ln>
+        </p:spPr>
+        <p:style>
+          <a:lnRef idx="1">
+            <a:schemeClr val="accent1"/>
+          </a:lnRef>
+          <a:fillRef idx="0">
+            <a:schemeClr val="accent1"/>
+          </a:fillRef>
+          <a:effectRef idx="0">
+            <a:schemeClr val="accent1"/>
+          </a:effectRef>
+          <a:fontRef idx="minor">
+            <a:schemeClr val="tx1"/>
+          </a:fontRef>
+        </p:style>
+      </p:cxnSp>
+      <p:cxnSp>
+        <p:nvCxnSpPr>
+          <p:cNvPr id="42" name="直线连接符 41">
+            <a:extLst>
+              <a:ext uri="{FF2B5EF4-FFF2-40B4-BE49-F238E27FC236}">
+                <a16:creationId xmlns:a16="http://schemas.microsoft.com/office/drawing/2014/main" id="{7B79A24A-C9DD-EED9-057F-48C3F7A53902}"/>
+              </a:ext>
+            </a:extLst>
+          </p:cNvPr>
+          <p:cNvCxnSpPr>
+            <a:cxnSpLocks/>
+            <a:stCxn id="39" idx="1"/>
+            <a:endCxn id="45" idx="5"/>
+          </p:cNvCxnSpPr>
+          <p:nvPr/>
+        </p:nvCxnSpPr>
+        <p:spPr>
+          <a:xfrm flipH="1">
+            <a:off x="4096253" y="4573805"/>
+            <a:ext cx="359100" cy="470173"/>
+          </a:xfrm>
+          <a:prstGeom prst="line">
+            <a:avLst/>
+          </a:prstGeom>
+          <a:ln w="19050">
+            <a:solidFill>
+              <a:schemeClr val="accent1"/>
+            </a:solidFill>
+          </a:ln>
+        </p:spPr>
+        <p:style>
+          <a:lnRef idx="1">
+            <a:schemeClr val="accent1"/>
+          </a:lnRef>
+          <a:fillRef idx="0">
+            <a:schemeClr val="accent1"/>
+          </a:fillRef>
+          <a:effectRef idx="0">
+            <a:schemeClr val="accent1"/>
+          </a:effectRef>
+          <a:fontRef idx="minor">
+            <a:schemeClr val="tx1"/>
+          </a:fontRef>
+        </p:style>
+      </p:cxnSp>
+      <p:cxnSp>
+        <p:nvCxnSpPr>
+          <p:cNvPr id="43" name="直线连接符 42">
+            <a:extLst>
+              <a:ext uri="{FF2B5EF4-FFF2-40B4-BE49-F238E27FC236}">
+                <a16:creationId xmlns:a16="http://schemas.microsoft.com/office/drawing/2014/main" id="{1B2ACADC-C65F-1DCC-1A48-98DC307DB2A9}"/>
+              </a:ext>
+            </a:extLst>
+          </p:cNvPr>
+          <p:cNvCxnSpPr>
+            <a:cxnSpLocks/>
+            <a:stCxn id="46" idx="0"/>
+            <a:endCxn id="39" idx="2"/>
+          </p:cNvCxnSpPr>
+          <p:nvPr/>
+        </p:nvCxnSpPr>
+        <p:spPr>
+          <a:xfrm flipH="1" flipV="1">
+            <a:off x="5017657" y="4936412"/>
+            <a:ext cx="462454" cy="507821"/>
+          </a:xfrm>
+          <a:prstGeom prst="line">
+            <a:avLst/>
+          </a:prstGeom>
+          <a:ln w="19050">
+            <a:solidFill>
+              <a:schemeClr val="accent1"/>
+            </a:solidFill>
+          </a:ln>
+        </p:spPr>
+        <p:style>
+          <a:lnRef idx="1">
+            <a:schemeClr val="accent1"/>
+          </a:lnRef>
+          <a:fillRef idx="0">
+            <a:schemeClr val="accent1"/>
+          </a:fillRef>
+          <a:effectRef idx="0">
+            <a:schemeClr val="accent1"/>
+          </a:effectRef>
+          <a:fontRef idx="minor">
+            <a:schemeClr val="tx1"/>
+          </a:fontRef>
+        </p:style>
+      </p:cxnSp>
+      <p:cxnSp>
+        <p:nvCxnSpPr>
+          <p:cNvPr id="44" name="直线连接符 43">
+            <a:extLst>
+              <a:ext uri="{FF2B5EF4-FFF2-40B4-BE49-F238E27FC236}">
+                <a16:creationId xmlns:a16="http://schemas.microsoft.com/office/drawing/2014/main" id="{9EC204D3-2368-D9DB-18E0-8F2C2EEB57E6}"/>
+              </a:ext>
+            </a:extLst>
+          </p:cNvPr>
+          <p:cNvCxnSpPr>
+            <a:cxnSpLocks/>
+            <a:stCxn id="39" idx="3"/>
+            <a:endCxn id="47" idx="2"/>
+          </p:cNvCxnSpPr>
+          <p:nvPr/>
+        </p:nvCxnSpPr>
+        <p:spPr>
+          <a:xfrm>
+            <a:off x="5579960" y="4573805"/>
+            <a:ext cx="627334" cy="539352"/>
+          </a:xfrm>
+          <a:prstGeom prst="line">
+            <a:avLst/>
+          </a:prstGeom>
+          <a:ln w="19050">
+            <a:solidFill>
+              <a:schemeClr val="accent1"/>
+            </a:solidFill>
+          </a:ln>
+        </p:spPr>
+        <p:style>
+          <a:lnRef idx="1">
+            <a:schemeClr val="accent1"/>
+          </a:lnRef>
+          <a:fillRef idx="0">
+            <a:schemeClr val="accent1"/>
+          </a:fillRef>
+          <a:effectRef idx="0">
+            <a:schemeClr val="accent1"/>
+          </a:effectRef>
+          <a:fontRef idx="minor">
+            <a:schemeClr val="tx1"/>
+          </a:fontRef>
+        </p:style>
+      </p:cxnSp>
+      <p:sp>
+        <p:nvSpPr>
+          <p:cNvPr id="45" name="椭圆 44">
+            <a:extLst>
+              <a:ext uri="{FF2B5EF4-FFF2-40B4-BE49-F238E27FC236}">
+                <a16:creationId xmlns:a16="http://schemas.microsoft.com/office/drawing/2014/main" id="{0D7303C7-75C9-3B7B-8D44-F5C3DA8C137E}"/>
+              </a:ext>
+            </a:extLst>
+          </p:cNvPr>
+          <p:cNvSpPr/>
+          <p:nvPr/>
+        </p:nvSpPr>
+        <p:spPr>
+          <a:xfrm>
+            <a:off x="2967038" y="4478796"/>
+            <a:ext cx="1322958" cy="662152"/>
+          </a:xfrm>
+          <a:prstGeom prst="ellipse">
+            <a:avLst/>
+          </a:prstGeom>
+        </p:spPr>
+        <p:style>
+          <a:lnRef idx="2">
+            <a:schemeClr val="accent1">
+              <a:shade val="50000"/>
+            </a:schemeClr>
+          </a:lnRef>
+          <a:fillRef idx="1">
+            <a:schemeClr val="accent1"/>
+          </a:fillRef>
+          <a:effectRef idx="0">
+            <a:schemeClr val="accent1"/>
+          </a:effectRef>
+          <a:fontRef idx="minor">
+            <a:schemeClr val="lt1"/>
+          </a:fontRef>
+        </p:style>
+        <p:txBody>
+          <a:bodyPr rtlCol="0" anchor="ctr"/>
+          <a:lstStyle/>
+          <a:p>
+            <a:pPr algn="ctr"/>
+            <a:r>
+              <a:rPr kumimoji="1" lang="en-US" altLang="zh-CN" dirty="0"/>
+              <a:t>model</a:t>
+            </a:r>
+            <a:endParaRPr kumimoji="1" lang="zh-CN" altLang="en-US" dirty="0"/>
+          </a:p>
+        </p:txBody>
+      </p:sp>
+      <p:sp>
+        <p:nvSpPr>
+          <p:cNvPr id="46" name="椭圆 45">
+            <a:extLst>
+              <a:ext uri="{FF2B5EF4-FFF2-40B4-BE49-F238E27FC236}">
+                <a16:creationId xmlns:a16="http://schemas.microsoft.com/office/drawing/2014/main" id="{013B4F67-29F0-1420-A127-66E9F2A2D97D}"/>
+              </a:ext>
+            </a:extLst>
+          </p:cNvPr>
+          <p:cNvSpPr/>
+          <p:nvPr/>
+        </p:nvSpPr>
+        <p:spPr>
+          <a:xfrm>
+            <a:off x="4885292" y="5444233"/>
+            <a:ext cx="1189637" cy="662152"/>
+          </a:xfrm>
+          <a:prstGeom prst="ellipse">
+            <a:avLst/>
+          </a:prstGeom>
+        </p:spPr>
+        <p:style>
+          <a:lnRef idx="2">
+            <a:schemeClr val="accent1">
+              <a:shade val="50000"/>
+            </a:schemeClr>
+          </a:lnRef>
+          <a:fillRef idx="1">
+            <a:schemeClr val="accent1"/>
+          </a:fillRef>
+          <a:effectRef idx="0">
+            <a:schemeClr val="accent1"/>
+          </a:effectRef>
+          <a:fontRef idx="minor">
+            <a:schemeClr val="lt1"/>
+          </a:fontRef>
+        </p:style>
+        <p:txBody>
+          <a:bodyPr rtlCol="0" anchor="ctr"/>
+          <a:lstStyle/>
+          <a:p>
+            <a:pPr algn="ctr"/>
+            <a:r>
+              <a:rPr kumimoji="1" lang="en-US" altLang="zh-CN" dirty="0"/>
+              <a:t>color</a:t>
+            </a:r>
+            <a:endParaRPr kumimoji="1" lang="zh-CN" altLang="en-US" dirty="0"/>
+          </a:p>
+        </p:txBody>
+      </p:sp>
+      <p:sp>
+        <p:nvSpPr>
+          <p:cNvPr id="47" name="椭圆 46">
+            <a:extLst>
+              <a:ext uri="{FF2B5EF4-FFF2-40B4-BE49-F238E27FC236}">
+                <a16:creationId xmlns:a16="http://schemas.microsoft.com/office/drawing/2014/main" id="{A0D054FB-897E-E5D2-B983-78983A7D2703}"/>
+              </a:ext>
+            </a:extLst>
+          </p:cNvPr>
+          <p:cNvSpPr/>
+          <p:nvPr/>
+        </p:nvSpPr>
+        <p:spPr>
+          <a:xfrm>
+            <a:off x="6207294" y="4782081"/>
+            <a:ext cx="1523512" cy="662152"/>
+          </a:xfrm>
+          <a:prstGeom prst="ellipse">
+            <a:avLst/>
+          </a:prstGeom>
+        </p:spPr>
+        <p:style>
+          <a:lnRef idx="2">
+            <a:schemeClr val="accent1">
+              <a:shade val="50000"/>
+            </a:schemeClr>
+          </a:lnRef>
+          <a:fillRef idx="1">
+            <a:schemeClr val="accent1"/>
+          </a:fillRef>
+          <a:effectRef idx="0">
+            <a:schemeClr val="accent1"/>
+          </a:effectRef>
+          <a:fontRef idx="minor">
+            <a:schemeClr val="lt1"/>
+          </a:fontRef>
+        </p:style>
+        <p:txBody>
+          <a:bodyPr rtlCol="0" anchor="ctr"/>
+          <a:lstStyle/>
+          <a:p>
+            <a:pPr algn="ctr"/>
+            <a:r>
+              <a:rPr kumimoji="1" lang="en-US" altLang="zh-CN" dirty="0"/>
+              <a:t>Purchase</a:t>
+            </a:r>
+            <a:r>
+              <a:rPr kumimoji="1" lang="zh-CN" altLang="en-US" dirty="0"/>
+              <a:t> </a:t>
+            </a:r>
+            <a:r>
+              <a:rPr kumimoji="1" lang="en-US" altLang="zh-CN" dirty="0"/>
+              <a:t>date</a:t>
+            </a:r>
+            <a:endParaRPr kumimoji="1" lang="zh-CN" altLang="en-US" dirty="0"/>
+          </a:p>
+        </p:txBody>
+      </p:sp>
+      <p:sp>
+        <p:nvSpPr>
+          <p:cNvPr id="62" name="菱形 61">
+            <a:extLst>
+              <a:ext uri="{FF2B5EF4-FFF2-40B4-BE49-F238E27FC236}">
+                <a16:creationId xmlns:a16="http://schemas.microsoft.com/office/drawing/2014/main" id="{6756DED8-D863-ED18-1404-792DC8687321}"/>
+              </a:ext>
+            </a:extLst>
+          </p:cNvPr>
+          <p:cNvSpPr/>
+          <p:nvPr/>
+        </p:nvSpPr>
+        <p:spPr>
+          <a:xfrm rot="2073123">
+            <a:off x="3019059" y="3050805"/>
+            <a:ext cx="1338909" cy="557049"/>
+          </a:xfrm>
+          <a:prstGeom prst="diamond">
+            <a:avLst/>
+          </a:prstGeom>
+        </p:spPr>
+        <p:style>
+          <a:lnRef idx="2">
+            <a:schemeClr val="accent1">
+              <a:shade val="50000"/>
+            </a:schemeClr>
+          </a:lnRef>
+          <a:fillRef idx="1">
+            <a:schemeClr val="accent1"/>
+          </a:fillRef>
+          <a:effectRef idx="0">
+            <a:schemeClr val="accent1"/>
+          </a:effectRef>
+          <a:fontRef idx="minor">
+            <a:schemeClr val="lt1"/>
+          </a:fontRef>
+        </p:style>
+        <p:txBody>
+          <a:bodyPr rtlCol="0" anchor="ctr"/>
+          <a:lstStyle/>
+          <a:p>
+            <a:pPr algn="ctr"/>
+            <a:r>
+              <a:rPr kumimoji="1" lang="en-US" altLang="zh-CN" dirty="0"/>
+              <a:t>own</a:t>
+            </a:r>
+            <a:endParaRPr kumimoji="1" lang="zh-CN" altLang="en-US" dirty="0"/>
+          </a:p>
+        </p:txBody>
+      </p:sp>
+      <p:cxnSp>
+        <p:nvCxnSpPr>
+          <p:cNvPr id="64" name="直线连接符 63">
+            <a:extLst>
+              <a:ext uri="{FF2B5EF4-FFF2-40B4-BE49-F238E27FC236}">
+                <a16:creationId xmlns:a16="http://schemas.microsoft.com/office/drawing/2014/main" id="{D3E6275B-E5C3-C726-1C88-E68415A5CC93}"/>
+              </a:ext>
+            </a:extLst>
+          </p:cNvPr>
+          <p:cNvCxnSpPr>
+            <a:cxnSpLocks/>
+            <a:stCxn id="62" idx="3"/>
+            <a:endCxn id="39" idx="0"/>
+          </p:cNvCxnSpPr>
+          <p:nvPr/>
+        </p:nvCxnSpPr>
+        <p:spPr>
+          <a:xfrm>
+            <a:off x="4239884" y="3709014"/>
+            <a:ext cx="777773" cy="502184"/>
+          </a:xfrm>
+          <a:prstGeom prst="line">
+            <a:avLst/>
+          </a:prstGeom>
+          <a:ln w="19050">
+            <a:solidFill>
+              <a:schemeClr val="accent1"/>
+            </a:solidFill>
+          </a:ln>
+        </p:spPr>
+        <p:style>
+          <a:lnRef idx="1">
+            <a:schemeClr val="accent1"/>
+          </a:lnRef>
+          <a:fillRef idx="0">
+            <a:schemeClr val="accent1"/>
+          </a:fillRef>
+          <a:effectRef idx="0">
+            <a:schemeClr val="accent1"/>
+          </a:effectRef>
+          <a:fontRef idx="minor">
+            <a:schemeClr val="tx1"/>
+          </a:fontRef>
+        </p:style>
+      </p:cxnSp>
+      <p:sp>
+        <p:nvSpPr>
+          <p:cNvPr id="70" name="菱形 69">
+            <a:extLst>
+              <a:ext uri="{FF2B5EF4-FFF2-40B4-BE49-F238E27FC236}">
+                <a16:creationId xmlns:a16="http://schemas.microsoft.com/office/drawing/2014/main" id="{C51F3296-355C-DAA6-E6D6-D9D3487C8C92}"/>
+              </a:ext>
+            </a:extLst>
+          </p:cNvPr>
+          <p:cNvSpPr/>
+          <p:nvPr/>
+        </p:nvSpPr>
+        <p:spPr>
+          <a:xfrm rot="16944981">
+            <a:off x="4444210" y="2687731"/>
+            <a:ext cx="1424902" cy="523830"/>
+          </a:xfrm>
+          <a:prstGeom prst="diamond">
+            <a:avLst/>
+          </a:prstGeom>
+        </p:spPr>
+        <p:style>
+          <a:lnRef idx="2">
+            <a:schemeClr val="accent1">
+              <a:shade val="50000"/>
+            </a:schemeClr>
+          </a:lnRef>
+          <a:fillRef idx="1">
+            <a:schemeClr val="accent1"/>
+          </a:fillRef>
+          <a:effectRef idx="0">
+            <a:schemeClr val="accent1"/>
+          </a:effectRef>
+          <a:fontRef idx="minor">
+            <a:schemeClr val="lt1"/>
+          </a:fontRef>
+        </p:style>
+        <p:txBody>
+          <a:bodyPr rtlCol="0" anchor="ctr"/>
+          <a:lstStyle/>
+          <a:p>
+            <a:pPr algn="ctr"/>
+            <a:r>
+              <a:rPr kumimoji="1" lang="en-US" altLang="zh-CN" dirty="0"/>
+              <a:t>Drive</a:t>
+            </a:r>
+            <a:endParaRPr kumimoji="1" lang="zh-CN" altLang="en-US" dirty="0"/>
+          </a:p>
+        </p:txBody>
+      </p:sp>
+      <p:cxnSp>
+        <p:nvCxnSpPr>
+          <p:cNvPr id="72" name="直线连接符 71">
+            <a:extLst>
+              <a:ext uri="{FF2B5EF4-FFF2-40B4-BE49-F238E27FC236}">
+                <a16:creationId xmlns:a16="http://schemas.microsoft.com/office/drawing/2014/main" id="{52944209-B422-D079-60C4-5739634058E5}"/>
+              </a:ext>
+            </a:extLst>
+          </p:cNvPr>
+          <p:cNvCxnSpPr>
+            <a:cxnSpLocks/>
+            <a:endCxn id="70" idx="3"/>
+          </p:cNvCxnSpPr>
+          <p:nvPr/>
+        </p:nvCxnSpPr>
+        <p:spPr>
+          <a:xfrm>
+            <a:off x="5263812" y="1773611"/>
+            <a:ext cx="46036" cy="480248"/>
+          </a:xfrm>
+          <a:prstGeom prst="line">
+            <a:avLst/>
+          </a:prstGeom>
+          <a:ln w="19050">
+            <a:solidFill>
+              <a:schemeClr val="accent1"/>
+            </a:solidFill>
+          </a:ln>
+        </p:spPr>
+        <p:style>
+          <a:lnRef idx="1">
+            <a:schemeClr val="accent1"/>
+          </a:lnRef>
+          <a:fillRef idx="0">
+            <a:schemeClr val="accent1"/>
+          </a:fillRef>
+          <a:effectRef idx="0">
+            <a:schemeClr val="accent1"/>
+          </a:effectRef>
+          <a:fontRef idx="minor">
+            <a:schemeClr val="tx1"/>
+          </a:fontRef>
+        </p:style>
+      </p:cxnSp>
+      <p:cxnSp>
+        <p:nvCxnSpPr>
+          <p:cNvPr id="74" name="直线连接符 73">
+            <a:extLst>
+              <a:ext uri="{FF2B5EF4-FFF2-40B4-BE49-F238E27FC236}">
+                <a16:creationId xmlns:a16="http://schemas.microsoft.com/office/drawing/2014/main" id="{EC305D73-6769-7CF2-F62A-E793C8A8E385}"/>
+              </a:ext>
+            </a:extLst>
+          </p:cNvPr>
+          <p:cNvCxnSpPr>
+            <a:cxnSpLocks/>
+            <a:endCxn id="39" idx="0"/>
+          </p:cNvCxnSpPr>
+          <p:nvPr/>
+        </p:nvCxnSpPr>
+        <p:spPr>
+          <a:xfrm>
+            <a:off x="5000294" y="3634452"/>
+            <a:ext cx="17363" cy="576746"/>
+          </a:xfrm>
+          <a:prstGeom prst="line">
+            <a:avLst/>
+          </a:prstGeom>
+          <a:ln w="19050">
+            <a:solidFill>
+              <a:schemeClr val="accent1"/>
+            </a:solidFill>
+          </a:ln>
+        </p:spPr>
+        <p:style>
+          <a:lnRef idx="1">
+            <a:schemeClr val="accent1"/>
+          </a:lnRef>
+          <a:fillRef idx="0">
+            <a:schemeClr val="accent1"/>
+          </a:fillRef>
+          <a:effectRef idx="0">
+            <a:schemeClr val="accent1"/>
+          </a:effectRef>
+          <a:fontRef idx="minor">
+            <a:schemeClr val="tx1"/>
+          </a:fontRef>
+        </p:style>
+      </p:cxnSp>
+      <p:sp>
+        <p:nvSpPr>
+          <p:cNvPr id="77" name="文本框 76">
+            <a:extLst>
+              <a:ext uri="{FF2B5EF4-FFF2-40B4-BE49-F238E27FC236}">
+                <a16:creationId xmlns:a16="http://schemas.microsoft.com/office/drawing/2014/main" id="{962C30C6-7B6A-9E0E-9B39-3689D8AC0A1B}"/>
+              </a:ext>
+            </a:extLst>
+          </p:cNvPr>
+          <p:cNvSpPr txBox="1"/>
+          <p:nvPr/>
+        </p:nvSpPr>
+        <p:spPr>
+          <a:xfrm>
+            <a:off x="4112485" y="3761009"/>
+            <a:ext cx="306891" cy="369332"/>
+          </a:xfrm>
+          <a:prstGeom prst="rect">
+            <a:avLst/>
+          </a:prstGeom>
+          <a:noFill/>
+        </p:spPr>
+        <p:txBody>
+          <a:bodyPr wrap="square" rtlCol="0">
+            <a:spAutoFit/>
+          </a:bodyPr>
+          <a:lstStyle/>
+          <a:p>
+            <a:r>
+              <a:rPr kumimoji="1" lang="en-US" altLang="zh-CN" dirty="0"/>
+              <a:t>n</a:t>
+            </a:r>
+            <a:endParaRPr kumimoji="1" lang="zh-CN" altLang="en-US" dirty="0"/>
+          </a:p>
+        </p:txBody>
+      </p:sp>
+      <p:sp>
+        <p:nvSpPr>
+          <p:cNvPr id="78" name="文本框 77">
+            <a:extLst>
+              <a:ext uri="{FF2B5EF4-FFF2-40B4-BE49-F238E27FC236}">
+                <a16:creationId xmlns:a16="http://schemas.microsoft.com/office/drawing/2014/main" id="{D6FEC5EC-0958-E1AB-7608-C10600DC3731}"/>
+              </a:ext>
+            </a:extLst>
+          </p:cNvPr>
+          <p:cNvSpPr txBox="1"/>
+          <p:nvPr/>
+        </p:nvSpPr>
+        <p:spPr>
+          <a:xfrm>
+            <a:off x="4987504" y="3706689"/>
+            <a:ext cx="311304" cy="369332"/>
+          </a:xfrm>
+          <a:prstGeom prst="rect">
+            <a:avLst/>
+          </a:prstGeom>
+          <a:noFill/>
+        </p:spPr>
+        <p:txBody>
+          <a:bodyPr wrap="none" rtlCol="0">
+            <a:spAutoFit/>
+          </a:bodyPr>
+          <a:lstStyle/>
+          <a:p>
+            <a:r>
+              <a:rPr kumimoji="1" lang="en-US" altLang="zh-CN" dirty="0"/>
+              <a:t>n</a:t>
+            </a:r>
+            <a:endParaRPr kumimoji="1" lang="zh-CN" altLang="en-US" dirty="0"/>
+          </a:p>
+        </p:txBody>
+      </p:sp>
+      <p:cxnSp>
+        <p:nvCxnSpPr>
+          <p:cNvPr id="80" name="直线连接符 79">
+            <a:extLst>
+              <a:ext uri="{FF2B5EF4-FFF2-40B4-BE49-F238E27FC236}">
+                <a16:creationId xmlns:a16="http://schemas.microsoft.com/office/drawing/2014/main" id="{AC3D619D-ABE6-51E5-08F6-B176E4DC3E63}"/>
+              </a:ext>
+            </a:extLst>
+          </p:cNvPr>
+          <p:cNvCxnSpPr>
+            <a:cxnSpLocks/>
+          </p:cNvCxnSpPr>
+          <p:nvPr/>
+        </p:nvCxnSpPr>
+        <p:spPr>
+          <a:xfrm>
+            <a:off x="4112369" y="3696818"/>
+            <a:ext cx="769637" cy="514380"/>
+          </a:xfrm>
+          <a:prstGeom prst="line">
+            <a:avLst/>
+          </a:prstGeom>
+          <a:ln w="19050">
+            <a:solidFill>
+              <a:schemeClr val="accent1"/>
+            </a:solidFill>
+          </a:ln>
+        </p:spPr>
+        <p:style>
+          <a:lnRef idx="1">
+            <a:schemeClr val="accent1"/>
+          </a:lnRef>
+          <a:fillRef idx="0">
+            <a:schemeClr val="accent1"/>
+          </a:fillRef>
+          <a:effectRef idx="0">
+            <a:schemeClr val="accent1"/>
+          </a:effectRef>
+          <a:fontRef idx="minor">
+            <a:schemeClr val="tx1"/>
+          </a:fontRef>
+        </p:style>
+      </p:cxnSp>
+      <p:sp>
+        <p:nvSpPr>
+          <p:cNvPr id="83" name="菱形 82">
+            <a:extLst>
+              <a:ext uri="{FF2B5EF4-FFF2-40B4-BE49-F238E27FC236}">
+                <a16:creationId xmlns:a16="http://schemas.microsoft.com/office/drawing/2014/main" id="{536ABF39-AE35-C6F9-3EFA-7A65308718C1}"/>
+              </a:ext>
+            </a:extLst>
+          </p:cNvPr>
+          <p:cNvSpPr/>
+          <p:nvPr/>
+        </p:nvSpPr>
+        <p:spPr>
+          <a:xfrm rot="20428256">
+            <a:off x="3363125" y="1438765"/>
+            <a:ext cx="1033226" cy="557049"/>
+          </a:xfrm>
+          <a:prstGeom prst="diamond">
+            <a:avLst/>
+          </a:prstGeom>
+        </p:spPr>
+        <p:style>
+          <a:lnRef idx="2">
+            <a:schemeClr val="accent1">
+              <a:shade val="50000"/>
+            </a:schemeClr>
+          </a:lnRef>
+          <a:fillRef idx="1">
+            <a:schemeClr val="accent1"/>
+          </a:fillRef>
+          <a:effectRef idx="0">
+            <a:schemeClr val="accent1"/>
+          </a:effectRef>
+          <a:fontRef idx="minor">
+            <a:schemeClr val="lt1"/>
+          </a:fontRef>
+        </p:style>
+        <p:txBody>
+          <a:bodyPr rtlCol="0" anchor="ctr"/>
+          <a:lstStyle/>
+          <a:p>
+            <a:pPr algn="ctr"/>
+            <a:r>
+              <a:rPr kumimoji="1" lang="en-US" altLang="zh-CN" dirty="0"/>
+              <a:t>has</a:t>
+            </a:r>
+            <a:endParaRPr kumimoji="1" lang="zh-CN" altLang="en-US" dirty="0"/>
+          </a:p>
+        </p:txBody>
+      </p:sp>
+      <p:cxnSp>
+        <p:nvCxnSpPr>
+          <p:cNvPr id="84" name="直线连接符 83">
+            <a:extLst>
+              <a:ext uri="{FF2B5EF4-FFF2-40B4-BE49-F238E27FC236}">
+                <a16:creationId xmlns:a16="http://schemas.microsoft.com/office/drawing/2014/main" id="{529F211C-BEA8-56F0-43B9-18A6BFDF1CB1}"/>
+              </a:ext>
+            </a:extLst>
+          </p:cNvPr>
+          <p:cNvCxnSpPr>
+            <a:cxnSpLocks/>
+            <a:stCxn id="83" idx="1"/>
+          </p:cNvCxnSpPr>
+          <p:nvPr/>
+        </p:nvCxnSpPr>
+        <p:spPr>
+          <a:xfrm flipH="1">
+            <a:off x="3042331" y="1889986"/>
+            <a:ext cx="350514" cy="198584"/>
+          </a:xfrm>
+          <a:prstGeom prst="line">
+            <a:avLst/>
+          </a:prstGeom>
+          <a:ln w="19050">
+            <a:solidFill>
+              <a:schemeClr val="accent1"/>
+            </a:solidFill>
+          </a:ln>
+        </p:spPr>
+        <p:style>
+          <a:lnRef idx="1">
+            <a:schemeClr val="accent1"/>
+          </a:lnRef>
+          <a:fillRef idx="0">
+            <a:schemeClr val="accent1"/>
+          </a:fillRef>
+          <a:effectRef idx="0">
+            <a:schemeClr val="accent1"/>
+          </a:effectRef>
+          <a:fontRef idx="minor">
+            <a:schemeClr val="tx1"/>
+          </a:fontRef>
+        </p:style>
+      </p:cxnSp>
+      <p:cxnSp>
+        <p:nvCxnSpPr>
+          <p:cNvPr id="86" name="直线连接符 85">
+            <a:extLst>
+              <a:ext uri="{FF2B5EF4-FFF2-40B4-BE49-F238E27FC236}">
+                <a16:creationId xmlns:a16="http://schemas.microsoft.com/office/drawing/2014/main" id="{73EE9D96-AC52-7DA7-10CD-E703F16567C6}"/>
+              </a:ext>
+            </a:extLst>
+          </p:cNvPr>
+          <p:cNvCxnSpPr>
+            <a:cxnSpLocks/>
+            <a:stCxn id="21" idx="1"/>
+          </p:cNvCxnSpPr>
+          <p:nvPr/>
+        </p:nvCxnSpPr>
+        <p:spPr>
+          <a:xfrm flipH="1">
+            <a:off x="4362989" y="1455008"/>
+            <a:ext cx="317671" cy="94812"/>
+          </a:xfrm>
+          <a:prstGeom prst="line">
+            <a:avLst/>
+          </a:prstGeom>
+          <a:ln w="19050">
+            <a:solidFill>
+              <a:schemeClr val="accent1"/>
+            </a:solidFill>
+          </a:ln>
+        </p:spPr>
+        <p:style>
+          <a:lnRef idx="1">
+            <a:schemeClr val="accent1"/>
+          </a:lnRef>
+          <a:fillRef idx="0">
+            <a:schemeClr val="accent1"/>
+          </a:fillRef>
+          <a:effectRef idx="0">
+            <a:schemeClr val="accent1"/>
+          </a:effectRef>
+          <a:fontRef idx="minor">
+            <a:schemeClr val="tx1"/>
+          </a:fontRef>
+        </p:style>
+      </p:cxnSp>
+      <p:sp>
+        <p:nvSpPr>
+          <p:cNvPr id="89" name="文本框 88">
+            <a:extLst>
+              <a:ext uri="{FF2B5EF4-FFF2-40B4-BE49-F238E27FC236}">
+                <a16:creationId xmlns:a16="http://schemas.microsoft.com/office/drawing/2014/main" id="{4CB0626B-9612-5185-7780-A8551FF3A3CA}"/>
+              </a:ext>
+            </a:extLst>
+          </p:cNvPr>
+          <p:cNvSpPr txBox="1"/>
+          <p:nvPr/>
+        </p:nvSpPr>
+        <p:spPr>
+          <a:xfrm>
+            <a:off x="4278255" y="1263348"/>
+            <a:ext cx="350515" cy="369332"/>
+          </a:xfrm>
+          <a:prstGeom prst="rect">
+            <a:avLst/>
+          </a:prstGeom>
+          <a:noFill/>
+        </p:spPr>
+        <p:txBody>
+          <a:bodyPr wrap="square" rtlCol="0">
+            <a:spAutoFit/>
+          </a:bodyPr>
+          <a:lstStyle/>
+          <a:p>
+            <a:r>
+              <a:rPr kumimoji="1" lang="en-US" altLang="zh-CN" dirty="0"/>
+              <a:t>n</a:t>
+            </a:r>
+            <a:endParaRPr kumimoji="1" lang="zh-CN" altLang="en-US" dirty="0"/>
+          </a:p>
+        </p:txBody>
+      </p:sp>
+      <p:sp>
+        <p:nvSpPr>
+          <p:cNvPr id="90" name="文本框 89">
+            <a:extLst>
+              <a:ext uri="{FF2B5EF4-FFF2-40B4-BE49-F238E27FC236}">
+                <a16:creationId xmlns:a16="http://schemas.microsoft.com/office/drawing/2014/main" id="{0349C836-FBA6-FC8B-6286-8D5A3C39ED78}"/>
+              </a:ext>
+            </a:extLst>
+          </p:cNvPr>
+          <p:cNvSpPr txBox="1"/>
+          <p:nvPr/>
+        </p:nvSpPr>
+        <p:spPr>
+          <a:xfrm>
+            <a:off x="3194241" y="1889986"/>
+            <a:ext cx="443948" cy="369332"/>
+          </a:xfrm>
+          <a:prstGeom prst="rect">
+            <a:avLst/>
+          </a:prstGeom>
+          <a:noFill/>
+        </p:spPr>
+        <p:txBody>
+          <a:bodyPr wrap="square" rtlCol="0">
+            <a:spAutoFit/>
+          </a:bodyPr>
+          <a:lstStyle/>
+          <a:p>
+            <a:r>
+              <a:rPr kumimoji="1" lang="en-US" altLang="zh-CN" dirty="0"/>
+              <a:t>1</a:t>
+            </a:r>
+            <a:endParaRPr kumimoji="1" lang="zh-CN" altLang="en-US" dirty="0"/>
+          </a:p>
+        </p:txBody>
+      </p:sp>
+      <p:sp>
+        <p:nvSpPr>
+          <p:cNvPr id="91" name="文本框 90">
+            <a:extLst>
+              <a:ext uri="{FF2B5EF4-FFF2-40B4-BE49-F238E27FC236}">
+                <a16:creationId xmlns:a16="http://schemas.microsoft.com/office/drawing/2014/main" id="{74C22F53-1D13-E8C6-A53A-0BCAB8F5545D}"/>
+              </a:ext>
+            </a:extLst>
+          </p:cNvPr>
+          <p:cNvSpPr txBox="1"/>
+          <p:nvPr/>
+        </p:nvSpPr>
+        <p:spPr>
+          <a:xfrm>
+            <a:off x="2757390" y="2607619"/>
+            <a:ext cx="312368" cy="369332"/>
+          </a:xfrm>
+          <a:prstGeom prst="rect">
+            <a:avLst/>
+          </a:prstGeom>
+          <a:noFill/>
+        </p:spPr>
+        <p:txBody>
+          <a:bodyPr wrap="square" rtlCol="0">
+            <a:spAutoFit/>
+          </a:bodyPr>
+          <a:lstStyle/>
+          <a:p>
+            <a:r>
+              <a:rPr kumimoji="1" lang="en-US" altLang="zh-CN" dirty="0"/>
+              <a:t>1</a:t>
+            </a:r>
+            <a:endParaRPr kumimoji="1" lang="zh-CN" altLang="en-US" dirty="0"/>
+          </a:p>
+        </p:txBody>
+      </p:sp>
+      <p:sp>
+        <p:nvSpPr>
+          <p:cNvPr id="92" name="文本框 91">
+            <a:extLst>
+              <a:ext uri="{FF2B5EF4-FFF2-40B4-BE49-F238E27FC236}">
+                <a16:creationId xmlns:a16="http://schemas.microsoft.com/office/drawing/2014/main" id="{B1A3EFF1-DCFF-A135-6B17-4366D9502DE9}"/>
+              </a:ext>
+            </a:extLst>
+          </p:cNvPr>
+          <p:cNvSpPr txBox="1"/>
+          <p:nvPr/>
+        </p:nvSpPr>
+        <p:spPr>
+          <a:xfrm>
+            <a:off x="4966949" y="2070474"/>
+            <a:ext cx="306891" cy="369332"/>
+          </a:xfrm>
+          <a:prstGeom prst="rect">
+            <a:avLst/>
+          </a:prstGeom>
+          <a:noFill/>
+        </p:spPr>
+        <p:txBody>
+          <a:bodyPr wrap="square" rtlCol="0">
+            <a:spAutoFit/>
+          </a:bodyPr>
+          <a:lstStyle/>
+          <a:p>
+            <a:r>
+              <a:rPr kumimoji="1" lang="en-US" altLang="zh-CN" dirty="0"/>
+              <a:t>m</a:t>
+            </a:r>
+            <a:endParaRPr kumimoji="1" lang="zh-CN" altLang="en-US" dirty="0"/>
+          </a:p>
+        </p:txBody>
+      </p:sp>
+      <p:sp>
+        <p:nvSpPr>
+          <p:cNvPr id="93" name="矩形 92">
+            <a:extLst>
+              <a:ext uri="{FF2B5EF4-FFF2-40B4-BE49-F238E27FC236}">
+                <a16:creationId xmlns:a16="http://schemas.microsoft.com/office/drawing/2014/main" id="{E7B5286C-2A02-3274-164D-0C0CF6F9D55C}"/>
+              </a:ext>
+            </a:extLst>
+          </p:cNvPr>
+          <p:cNvSpPr/>
+          <p:nvPr/>
+        </p:nvSpPr>
+        <p:spPr>
+          <a:xfrm>
+            <a:off x="901225" y="4843481"/>
+            <a:ext cx="1124607" cy="725214"/>
+          </a:xfrm>
+          <a:prstGeom prst="rect">
+            <a:avLst/>
+          </a:prstGeom>
+        </p:spPr>
+        <p:style>
+          <a:lnRef idx="2">
+            <a:schemeClr val="accent1">
+              <a:shade val="50000"/>
+            </a:schemeClr>
+          </a:lnRef>
+          <a:fillRef idx="1">
+            <a:schemeClr val="accent1"/>
+          </a:fillRef>
+          <a:effectRef idx="0">
+            <a:schemeClr val="accent1"/>
+          </a:effectRef>
+          <a:fontRef idx="minor">
+            <a:schemeClr val="lt1"/>
+          </a:fontRef>
+        </p:style>
+        <p:txBody>
+          <a:bodyPr rtlCol="0" anchor="ctr"/>
+          <a:lstStyle/>
+          <a:p>
+            <a:pPr algn="ctr"/>
+            <a:r>
+              <a:rPr kumimoji="1" lang="en-US" altLang="zh-CN" dirty="0"/>
+              <a:t>orders</a:t>
+            </a:r>
+            <a:endParaRPr kumimoji="1" lang="zh-CN" altLang="en-US" dirty="0"/>
+          </a:p>
+        </p:txBody>
+      </p:sp>
+      <p:sp>
+        <p:nvSpPr>
+          <p:cNvPr id="95" name="矩形 94">
+            <a:extLst>
+              <a:ext uri="{FF2B5EF4-FFF2-40B4-BE49-F238E27FC236}">
+                <a16:creationId xmlns:a16="http://schemas.microsoft.com/office/drawing/2014/main" id="{F430DA77-CCBC-1170-9EB5-82B443072F7D}"/>
+              </a:ext>
+            </a:extLst>
+          </p:cNvPr>
+          <p:cNvSpPr/>
+          <p:nvPr/>
+        </p:nvSpPr>
+        <p:spPr>
+          <a:xfrm>
+            <a:off x="172564" y="3144922"/>
+            <a:ext cx="1124607" cy="725214"/>
+          </a:xfrm>
+          <a:prstGeom prst="rect">
+            <a:avLst/>
+          </a:prstGeom>
+        </p:spPr>
+        <p:style>
+          <a:lnRef idx="2">
+            <a:schemeClr val="accent1">
+              <a:shade val="50000"/>
+            </a:schemeClr>
+          </a:lnRef>
+          <a:fillRef idx="1">
+            <a:schemeClr val="accent1"/>
+          </a:fillRef>
+          <a:effectRef idx="0">
+            <a:schemeClr val="accent1"/>
+          </a:effectRef>
+          <a:fontRef idx="minor">
+            <a:schemeClr val="lt1"/>
+          </a:fontRef>
+        </p:style>
+        <p:txBody>
+          <a:bodyPr rtlCol="0" anchor="ctr"/>
+          <a:lstStyle/>
+          <a:p>
+            <a:pPr algn="ctr"/>
+            <a:r>
+              <a:rPr kumimoji="1" lang="en-US" altLang="zh-CN" dirty="0"/>
+              <a:t>company</a:t>
+            </a:r>
+            <a:endParaRPr kumimoji="1" lang="zh-CN" altLang="en-US" dirty="0"/>
+          </a:p>
+        </p:txBody>
+      </p:sp>
+      <p:sp>
+        <p:nvSpPr>
+          <p:cNvPr id="99" name="菱形 98">
+            <a:extLst>
+              <a:ext uri="{FF2B5EF4-FFF2-40B4-BE49-F238E27FC236}">
+                <a16:creationId xmlns:a16="http://schemas.microsoft.com/office/drawing/2014/main" id="{0D1257B2-2D13-EA08-D402-BFC55EEB61AA}"/>
+              </a:ext>
+            </a:extLst>
+          </p:cNvPr>
+          <p:cNvSpPr/>
+          <p:nvPr/>
+        </p:nvSpPr>
+        <p:spPr>
+          <a:xfrm rot="17164036">
+            <a:off x="1047485" y="3409878"/>
+            <a:ext cx="1967027" cy="557049"/>
+          </a:xfrm>
+          <a:prstGeom prst="diamond">
+            <a:avLst/>
+          </a:prstGeom>
+        </p:spPr>
+        <p:style>
+          <a:lnRef idx="2">
+            <a:schemeClr val="accent1">
+              <a:shade val="50000"/>
+            </a:schemeClr>
+          </a:lnRef>
+          <a:fillRef idx="1">
+            <a:schemeClr val="accent1"/>
+          </a:fillRef>
+          <a:effectRef idx="0">
+            <a:schemeClr val="accent1"/>
+          </a:effectRef>
+          <a:fontRef idx="minor">
+            <a:schemeClr val="lt1"/>
+          </a:fontRef>
+        </p:style>
+        <p:txBody>
+          <a:bodyPr rtlCol="0" anchor="ctr"/>
+          <a:lstStyle/>
+          <a:p>
+            <a:pPr algn="ctr"/>
+            <a:r>
+              <a:rPr kumimoji="1" lang="en-US" altLang="zh-CN" dirty="0"/>
+              <a:t>conduct</a:t>
+            </a:r>
+            <a:endParaRPr kumimoji="1" lang="zh-CN" altLang="en-US" dirty="0"/>
+          </a:p>
+        </p:txBody>
+      </p:sp>
+      <p:sp>
+        <p:nvSpPr>
+          <p:cNvPr id="111" name="菱形 110">
+            <a:extLst>
+              <a:ext uri="{FF2B5EF4-FFF2-40B4-BE49-F238E27FC236}">
+                <a16:creationId xmlns:a16="http://schemas.microsoft.com/office/drawing/2014/main" id="{337101AC-421A-D229-2766-8AA1C4309605}"/>
+              </a:ext>
+            </a:extLst>
+          </p:cNvPr>
+          <p:cNvSpPr/>
+          <p:nvPr/>
+        </p:nvSpPr>
+        <p:spPr>
+          <a:xfrm rot="21108768">
+            <a:off x="974539" y="2494322"/>
+            <a:ext cx="1033226" cy="557049"/>
+          </a:xfrm>
+          <a:prstGeom prst="diamond">
+            <a:avLst/>
+          </a:prstGeom>
+        </p:spPr>
+        <p:style>
+          <a:lnRef idx="2">
+            <a:schemeClr val="accent1">
+              <a:shade val="50000"/>
+            </a:schemeClr>
+          </a:lnRef>
+          <a:fillRef idx="1">
+            <a:schemeClr val="accent1"/>
+          </a:fillRef>
+          <a:effectRef idx="0">
+            <a:schemeClr val="accent1"/>
+          </a:effectRef>
+          <a:fontRef idx="minor">
+            <a:schemeClr val="lt1"/>
+          </a:fontRef>
+        </p:style>
+        <p:txBody>
+          <a:bodyPr rtlCol="0" anchor="ctr"/>
+          <a:lstStyle/>
+          <a:p>
+            <a:pPr algn="ctr"/>
+            <a:r>
+              <a:rPr kumimoji="1" lang="en-US" altLang="zh-CN" dirty="0"/>
+              <a:t>has</a:t>
+            </a:r>
+            <a:endParaRPr kumimoji="1" lang="zh-CN" altLang="en-US" dirty="0"/>
+          </a:p>
+        </p:txBody>
+      </p:sp>
+      <p:cxnSp>
+        <p:nvCxnSpPr>
+          <p:cNvPr id="112" name="直线连接符 111">
+            <a:extLst>
+              <a:ext uri="{FF2B5EF4-FFF2-40B4-BE49-F238E27FC236}">
+                <a16:creationId xmlns:a16="http://schemas.microsoft.com/office/drawing/2014/main" id="{4CF0514E-930C-2FBB-65B6-4255269532D8}"/>
+              </a:ext>
+            </a:extLst>
+          </p:cNvPr>
+          <p:cNvCxnSpPr>
+            <a:cxnSpLocks/>
+            <a:endCxn id="95" idx="0"/>
+          </p:cNvCxnSpPr>
+          <p:nvPr/>
+        </p:nvCxnSpPr>
+        <p:spPr>
+          <a:xfrm flipH="1">
+            <a:off x="734868" y="2850354"/>
+            <a:ext cx="246552" cy="294568"/>
+          </a:xfrm>
+          <a:prstGeom prst="line">
+            <a:avLst/>
+          </a:prstGeom>
+          <a:ln w="19050">
+            <a:solidFill>
+              <a:schemeClr val="accent1"/>
+            </a:solidFill>
+          </a:ln>
+        </p:spPr>
+        <p:style>
+          <a:lnRef idx="1">
+            <a:schemeClr val="accent1"/>
+          </a:lnRef>
+          <a:fillRef idx="0">
+            <a:schemeClr val="accent1"/>
+          </a:fillRef>
+          <a:effectRef idx="0">
+            <a:schemeClr val="accent1"/>
+          </a:effectRef>
+          <a:fontRef idx="minor">
+            <a:schemeClr val="tx1"/>
+          </a:fontRef>
+        </p:style>
+      </p:cxnSp>
+      <p:cxnSp>
+        <p:nvCxnSpPr>
+          <p:cNvPr id="114" name="直线连接符 113">
+            <a:extLst>
+              <a:ext uri="{FF2B5EF4-FFF2-40B4-BE49-F238E27FC236}">
+                <a16:creationId xmlns:a16="http://schemas.microsoft.com/office/drawing/2014/main" id="{987DE395-7F19-10C7-8CBD-308E15363AC9}"/>
+              </a:ext>
+            </a:extLst>
+          </p:cNvPr>
+          <p:cNvCxnSpPr>
+            <a:cxnSpLocks/>
+            <a:stCxn id="4" idx="2"/>
+          </p:cNvCxnSpPr>
+          <p:nvPr/>
+        </p:nvCxnSpPr>
+        <p:spPr>
+          <a:xfrm flipH="1">
+            <a:off x="2002030" y="2410047"/>
+            <a:ext cx="486478" cy="279437"/>
+          </a:xfrm>
+          <a:prstGeom prst="line">
+            <a:avLst/>
+          </a:prstGeom>
+          <a:ln w="19050">
+            <a:solidFill>
+              <a:schemeClr val="accent1"/>
+            </a:solidFill>
+          </a:ln>
+        </p:spPr>
+        <p:style>
+          <a:lnRef idx="1">
+            <a:schemeClr val="accent1"/>
+          </a:lnRef>
+          <a:fillRef idx="0">
+            <a:schemeClr val="accent1"/>
+          </a:fillRef>
+          <a:effectRef idx="0">
+            <a:schemeClr val="accent1"/>
+          </a:effectRef>
+          <a:fontRef idx="minor">
+            <a:schemeClr val="tx1"/>
+          </a:fontRef>
+        </p:style>
+      </p:cxnSp>
+      <p:sp>
+        <p:nvSpPr>
+          <p:cNvPr id="116" name="文本框 115">
+            <a:extLst>
+              <a:ext uri="{FF2B5EF4-FFF2-40B4-BE49-F238E27FC236}">
+                <a16:creationId xmlns:a16="http://schemas.microsoft.com/office/drawing/2014/main" id="{3C2D8E5E-4FD9-9CCD-B675-55A2D5E2FCB4}"/>
+              </a:ext>
+            </a:extLst>
+          </p:cNvPr>
+          <p:cNvSpPr txBox="1"/>
+          <p:nvPr/>
+        </p:nvSpPr>
+        <p:spPr>
+          <a:xfrm>
+            <a:off x="591147" y="2734425"/>
+            <a:ext cx="443948" cy="369332"/>
+          </a:xfrm>
+          <a:prstGeom prst="rect">
+            <a:avLst/>
+          </a:prstGeom>
+          <a:noFill/>
+        </p:spPr>
+        <p:txBody>
+          <a:bodyPr wrap="square" rtlCol="0">
+            <a:spAutoFit/>
+          </a:bodyPr>
+          <a:lstStyle/>
+          <a:p>
+            <a:r>
+              <a:rPr kumimoji="1" lang="en-US" altLang="zh-CN" dirty="0"/>
+              <a:t>1</a:t>
+            </a:r>
+            <a:endParaRPr kumimoji="1" lang="zh-CN" altLang="en-US" dirty="0"/>
+          </a:p>
+        </p:txBody>
+      </p:sp>
+      <p:sp>
+        <p:nvSpPr>
+          <p:cNvPr id="117" name="文本框 116">
+            <a:extLst>
+              <a:ext uri="{FF2B5EF4-FFF2-40B4-BE49-F238E27FC236}">
+                <a16:creationId xmlns:a16="http://schemas.microsoft.com/office/drawing/2014/main" id="{9C3D5463-D28E-FCA4-EFF2-F8BF242194FB}"/>
+              </a:ext>
+            </a:extLst>
+          </p:cNvPr>
+          <p:cNvSpPr txBox="1"/>
+          <p:nvPr/>
+        </p:nvSpPr>
+        <p:spPr>
+          <a:xfrm>
+            <a:off x="1996759" y="2380482"/>
+            <a:ext cx="443948" cy="369332"/>
+          </a:xfrm>
+          <a:prstGeom prst="rect">
+            <a:avLst/>
+          </a:prstGeom>
+          <a:noFill/>
+        </p:spPr>
+        <p:txBody>
+          <a:bodyPr wrap="square" rtlCol="0">
+            <a:spAutoFit/>
+          </a:bodyPr>
+          <a:lstStyle/>
+          <a:p>
+            <a:r>
+              <a:rPr kumimoji="1" lang="en-US" altLang="zh-CN" dirty="0"/>
+              <a:t>n</a:t>
+            </a:r>
+            <a:endParaRPr kumimoji="1" lang="zh-CN" altLang="en-US" dirty="0"/>
+          </a:p>
+        </p:txBody>
+      </p:sp>
+      <p:cxnSp>
+        <p:nvCxnSpPr>
+          <p:cNvPr id="130" name="直线连接符 129">
+            <a:extLst>
+              <a:ext uri="{FF2B5EF4-FFF2-40B4-BE49-F238E27FC236}">
+                <a16:creationId xmlns:a16="http://schemas.microsoft.com/office/drawing/2014/main" id="{B40CC2F8-3872-4B48-8EEE-F93646D38FDA}"/>
+              </a:ext>
+            </a:extLst>
+          </p:cNvPr>
+          <p:cNvCxnSpPr>
+            <a:cxnSpLocks/>
+            <a:stCxn id="99" idx="1"/>
+            <a:endCxn id="93" idx="0"/>
+          </p:cNvCxnSpPr>
+          <p:nvPr/>
+        </p:nvCxnSpPr>
+        <p:spPr>
+          <a:xfrm flipH="1">
+            <a:off x="1463529" y="4633498"/>
+            <a:ext cx="295267" cy="209983"/>
+          </a:xfrm>
+          <a:prstGeom prst="line">
+            <a:avLst/>
+          </a:prstGeom>
+          <a:ln w="19050">
+            <a:solidFill>
+              <a:schemeClr val="accent1"/>
+            </a:solidFill>
+          </a:ln>
+        </p:spPr>
+        <p:style>
+          <a:lnRef idx="1">
+            <a:schemeClr val="accent1"/>
+          </a:lnRef>
+          <a:fillRef idx="0">
+            <a:schemeClr val="accent1"/>
+          </a:fillRef>
+          <a:effectRef idx="0">
+            <a:schemeClr val="accent1"/>
+          </a:effectRef>
+          <a:fontRef idx="minor">
+            <a:schemeClr val="tx1"/>
+          </a:fontRef>
+        </p:style>
+      </p:cxnSp>
+      <p:cxnSp>
+        <p:nvCxnSpPr>
+          <p:cNvPr id="134" name="直线连接符 133">
+            <a:extLst>
+              <a:ext uri="{FF2B5EF4-FFF2-40B4-BE49-F238E27FC236}">
+                <a16:creationId xmlns:a16="http://schemas.microsoft.com/office/drawing/2014/main" id="{9263F92C-F839-D821-1AEE-F7F009FC4BA5}"/>
+              </a:ext>
+            </a:extLst>
+          </p:cNvPr>
+          <p:cNvCxnSpPr>
+            <a:cxnSpLocks/>
+            <a:stCxn id="4" idx="2"/>
+            <a:endCxn id="99" idx="3"/>
+          </p:cNvCxnSpPr>
+          <p:nvPr/>
+        </p:nvCxnSpPr>
+        <p:spPr>
+          <a:xfrm flipH="1">
+            <a:off x="2303202" y="2410047"/>
+            <a:ext cx="185306" cy="333261"/>
+          </a:xfrm>
+          <a:prstGeom prst="line">
+            <a:avLst/>
+          </a:prstGeom>
+          <a:ln w="19050">
+            <a:solidFill>
+              <a:schemeClr val="accent1"/>
+            </a:solidFill>
+          </a:ln>
+        </p:spPr>
+        <p:style>
+          <a:lnRef idx="1">
+            <a:schemeClr val="accent1"/>
+          </a:lnRef>
+          <a:fillRef idx="0">
+            <a:schemeClr val="accent1"/>
+          </a:fillRef>
+          <a:effectRef idx="0">
+            <a:schemeClr val="accent1"/>
+          </a:effectRef>
+          <a:fontRef idx="minor">
+            <a:schemeClr val="tx1"/>
+          </a:fontRef>
+        </p:style>
+      </p:cxnSp>
+      <p:cxnSp>
+        <p:nvCxnSpPr>
+          <p:cNvPr id="138" name="直线连接符 137">
+            <a:extLst>
+              <a:ext uri="{FF2B5EF4-FFF2-40B4-BE49-F238E27FC236}">
+                <a16:creationId xmlns:a16="http://schemas.microsoft.com/office/drawing/2014/main" id="{D282C36C-F302-65EB-DAAF-915857FF80E5}"/>
+              </a:ext>
+            </a:extLst>
+          </p:cNvPr>
+          <p:cNvCxnSpPr>
+            <a:cxnSpLocks/>
+          </p:cNvCxnSpPr>
+          <p:nvPr/>
+        </p:nvCxnSpPr>
+        <p:spPr>
+          <a:xfrm flipH="1">
+            <a:off x="1866907" y="2410047"/>
+            <a:ext cx="470245" cy="247220"/>
+          </a:xfrm>
+          <a:prstGeom prst="line">
+            <a:avLst/>
+          </a:prstGeom>
+          <a:ln w="19050">
+            <a:solidFill>
+              <a:schemeClr val="accent1"/>
+            </a:solidFill>
+          </a:ln>
+        </p:spPr>
+        <p:style>
+          <a:lnRef idx="1">
+            <a:schemeClr val="accent1"/>
+          </a:lnRef>
+          <a:fillRef idx="0">
+            <a:schemeClr val="accent1"/>
+          </a:fillRef>
+          <a:effectRef idx="0">
+            <a:schemeClr val="accent1"/>
+          </a:effectRef>
+          <a:fontRef idx="minor">
+            <a:schemeClr val="tx1"/>
+          </a:fontRef>
+        </p:style>
+      </p:cxnSp>
+      <p:sp>
+        <p:nvSpPr>
+          <p:cNvPr id="143" name="菱形 142">
+            <a:extLst>
+              <a:ext uri="{FF2B5EF4-FFF2-40B4-BE49-F238E27FC236}">
+                <a16:creationId xmlns:a16="http://schemas.microsoft.com/office/drawing/2014/main" id="{B685C0D1-BBB6-3938-A779-21AFB3261064}"/>
+              </a:ext>
+            </a:extLst>
+          </p:cNvPr>
+          <p:cNvSpPr/>
+          <p:nvPr/>
+        </p:nvSpPr>
+        <p:spPr>
+          <a:xfrm rot="20428256">
+            <a:off x="3534303" y="2140304"/>
+            <a:ext cx="1254422" cy="557049"/>
+          </a:xfrm>
+          <a:prstGeom prst="diamond">
+            <a:avLst/>
+          </a:prstGeom>
+        </p:spPr>
+        <p:style>
+          <a:lnRef idx="2">
+            <a:schemeClr val="accent1">
+              <a:shade val="50000"/>
+            </a:schemeClr>
+          </a:lnRef>
+          <a:fillRef idx="1">
+            <a:schemeClr val="accent1"/>
+          </a:fillRef>
+          <a:effectRef idx="0">
+            <a:schemeClr val="accent1"/>
+          </a:effectRef>
+          <a:fontRef idx="minor">
+            <a:schemeClr val="lt1"/>
+          </a:fontRef>
+        </p:style>
+        <p:txBody>
+          <a:bodyPr rtlCol="0" anchor="ctr"/>
+          <a:lstStyle/>
+          <a:p>
+            <a:pPr algn="ctr"/>
+            <a:r>
+              <a:rPr kumimoji="1" lang="en-US" altLang="zh-CN" dirty="0"/>
+              <a:t>lead</a:t>
+            </a:r>
+            <a:endParaRPr kumimoji="1" lang="zh-CN" altLang="en-US" dirty="0"/>
+          </a:p>
+        </p:txBody>
+      </p:sp>
+      <p:cxnSp>
+        <p:nvCxnSpPr>
+          <p:cNvPr id="144" name="直线连接符 143">
+            <a:extLst>
+              <a:ext uri="{FF2B5EF4-FFF2-40B4-BE49-F238E27FC236}">
+                <a16:creationId xmlns:a16="http://schemas.microsoft.com/office/drawing/2014/main" id="{2EA6B32C-3D9E-AE6B-6B37-96B740AD8F86}"/>
+              </a:ext>
+            </a:extLst>
+          </p:cNvPr>
+          <p:cNvCxnSpPr>
+            <a:cxnSpLocks/>
+            <a:stCxn id="143" idx="1"/>
+          </p:cNvCxnSpPr>
+          <p:nvPr/>
+        </p:nvCxnSpPr>
+        <p:spPr>
+          <a:xfrm flipH="1" flipV="1">
+            <a:off x="3050811" y="2418828"/>
+            <a:ext cx="519574" cy="209668"/>
+          </a:xfrm>
+          <a:prstGeom prst="line">
+            <a:avLst/>
+          </a:prstGeom>
+          <a:ln w="19050">
+            <a:solidFill>
+              <a:schemeClr val="accent1"/>
+            </a:solidFill>
+          </a:ln>
+        </p:spPr>
+        <p:style>
+          <a:lnRef idx="1">
+            <a:schemeClr val="accent1"/>
+          </a:lnRef>
+          <a:fillRef idx="0">
+            <a:schemeClr val="accent1"/>
+          </a:fillRef>
+          <a:effectRef idx="0">
+            <a:schemeClr val="accent1"/>
+          </a:effectRef>
+          <a:fontRef idx="minor">
+            <a:schemeClr val="tx1"/>
+          </a:fontRef>
+        </p:style>
+      </p:cxnSp>
+      <p:cxnSp>
+        <p:nvCxnSpPr>
+          <p:cNvPr id="148" name="直线连接符 147">
+            <a:extLst>
+              <a:ext uri="{FF2B5EF4-FFF2-40B4-BE49-F238E27FC236}">
+                <a16:creationId xmlns:a16="http://schemas.microsoft.com/office/drawing/2014/main" id="{64735483-7861-2FE1-C4F3-AFE2704FD18E}"/>
+              </a:ext>
+            </a:extLst>
+          </p:cNvPr>
+          <p:cNvCxnSpPr>
+            <a:cxnSpLocks/>
+            <a:stCxn id="21" idx="2"/>
+          </p:cNvCxnSpPr>
+          <p:nvPr/>
+        </p:nvCxnSpPr>
+        <p:spPr>
+          <a:xfrm flipH="1">
+            <a:off x="4747545" y="1817615"/>
+            <a:ext cx="495419" cy="391470"/>
+          </a:xfrm>
+          <a:prstGeom prst="line">
+            <a:avLst/>
+          </a:prstGeom>
+          <a:ln w="19050">
+            <a:solidFill>
+              <a:schemeClr val="accent1"/>
+            </a:solidFill>
+          </a:ln>
+        </p:spPr>
+        <p:style>
+          <a:lnRef idx="1">
+            <a:schemeClr val="accent1"/>
+          </a:lnRef>
+          <a:fillRef idx="0">
+            <a:schemeClr val="accent1"/>
+          </a:fillRef>
+          <a:effectRef idx="0">
+            <a:schemeClr val="accent1"/>
+          </a:effectRef>
+          <a:fontRef idx="minor">
+            <a:schemeClr val="tx1"/>
+          </a:fontRef>
+        </p:style>
+      </p:cxnSp>
+      <p:sp>
+        <p:nvSpPr>
+          <p:cNvPr id="150" name="文本框 149">
+            <a:extLst>
+              <a:ext uri="{FF2B5EF4-FFF2-40B4-BE49-F238E27FC236}">
+                <a16:creationId xmlns:a16="http://schemas.microsoft.com/office/drawing/2014/main" id="{F84715F4-3576-A6B2-E89A-BFC5A076FA04}"/>
+              </a:ext>
+            </a:extLst>
+          </p:cNvPr>
+          <p:cNvSpPr txBox="1"/>
+          <p:nvPr/>
+        </p:nvSpPr>
+        <p:spPr>
+          <a:xfrm>
+            <a:off x="3133370" y="2350917"/>
+            <a:ext cx="443948" cy="369332"/>
+          </a:xfrm>
+          <a:prstGeom prst="rect">
+            <a:avLst/>
+          </a:prstGeom>
+          <a:noFill/>
+        </p:spPr>
+        <p:txBody>
+          <a:bodyPr wrap="square" rtlCol="0">
+            <a:spAutoFit/>
+          </a:bodyPr>
+          <a:lstStyle/>
+          <a:p>
+            <a:r>
+              <a:rPr kumimoji="1" lang="en-US" altLang="zh-CN" dirty="0"/>
+              <a:t>1</a:t>
+            </a:r>
+            <a:endParaRPr kumimoji="1" lang="zh-CN" altLang="en-US" dirty="0"/>
+          </a:p>
+        </p:txBody>
+      </p:sp>
+      <p:sp>
+        <p:nvSpPr>
+          <p:cNvPr id="151" name="文本框 150">
+            <a:extLst>
+              <a:ext uri="{FF2B5EF4-FFF2-40B4-BE49-F238E27FC236}">
+                <a16:creationId xmlns:a16="http://schemas.microsoft.com/office/drawing/2014/main" id="{EFBCEC99-ADC8-0F3B-555A-FABE87679097}"/>
+              </a:ext>
+            </a:extLst>
+          </p:cNvPr>
+          <p:cNvSpPr txBox="1"/>
+          <p:nvPr/>
+        </p:nvSpPr>
+        <p:spPr>
+          <a:xfrm>
+            <a:off x="4759265" y="1874288"/>
+            <a:ext cx="443948" cy="369332"/>
+          </a:xfrm>
+          <a:prstGeom prst="rect">
+            <a:avLst/>
+          </a:prstGeom>
+          <a:noFill/>
+        </p:spPr>
+        <p:txBody>
+          <a:bodyPr wrap="square" rtlCol="0">
+            <a:spAutoFit/>
+          </a:bodyPr>
+          <a:lstStyle/>
+          <a:p>
+            <a:r>
+              <a:rPr kumimoji="1" lang="en-US" altLang="zh-CN" dirty="0"/>
+              <a:t>1</a:t>
+            </a:r>
+            <a:endParaRPr kumimoji="1" lang="zh-CN" altLang="en-US" dirty="0"/>
+          </a:p>
+        </p:txBody>
+      </p:sp>
+      <p:sp>
+        <p:nvSpPr>
+          <p:cNvPr id="152" name="椭圆 151">
+            <a:extLst>
+              <a:ext uri="{FF2B5EF4-FFF2-40B4-BE49-F238E27FC236}">
+                <a16:creationId xmlns:a16="http://schemas.microsoft.com/office/drawing/2014/main" id="{FDC106A7-05E7-735A-910D-2341E11736CA}"/>
+              </a:ext>
+            </a:extLst>
+          </p:cNvPr>
+          <p:cNvSpPr/>
+          <p:nvPr/>
+        </p:nvSpPr>
+        <p:spPr>
+          <a:xfrm>
+            <a:off x="20708" y="5473247"/>
+            <a:ext cx="631819" cy="662152"/>
+          </a:xfrm>
+          <a:prstGeom prst="ellipse">
+            <a:avLst/>
+          </a:prstGeom>
+        </p:spPr>
+        <p:style>
+          <a:lnRef idx="2">
+            <a:schemeClr val="accent1">
+              <a:shade val="50000"/>
+            </a:schemeClr>
+          </a:lnRef>
+          <a:fillRef idx="1">
+            <a:schemeClr val="accent1"/>
+          </a:fillRef>
+          <a:effectRef idx="0">
+            <a:schemeClr val="accent1"/>
+          </a:effectRef>
+          <a:fontRef idx="minor">
+            <a:schemeClr val="lt1"/>
+          </a:fontRef>
+        </p:style>
+        <p:txBody>
+          <a:bodyPr rtlCol="0" anchor="ctr"/>
+          <a:lstStyle/>
+          <a:p>
+            <a:pPr algn="ctr"/>
+            <a:r>
+              <a:rPr kumimoji="1" lang="en-US" altLang="zh-CN" dirty="0"/>
+              <a:t>ID</a:t>
+            </a:r>
+            <a:endParaRPr kumimoji="1" lang="zh-CN" altLang="en-US" dirty="0"/>
+          </a:p>
+        </p:txBody>
+      </p:sp>
+      <p:sp>
+        <p:nvSpPr>
+          <p:cNvPr id="153" name="椭圆 152">
+            <a:extLst>
+              <a:ext uri="{FF2B5EF4-FFF2-40B4-BE49-F238E27FC236}">
+                <a16:creationId xmlns:a16="http://schemas.microsoft.com/office/drawing/2014/main" id="{3B663EDF-1044-2C00-C7E3-0F9DC8580472}"/>
+              </a:ext>
+            </a:extLst>
+          </p:cNvPr>
+          <p:cNvSpPr/>
+          <p:nvPr/>
+        </p:nvSpPr>
+        <p:spPr>
+          <a:xfrm>
+            <a:off x="414565" y="6164442"/>
+            <a:ext cx="1496943" cy="369333"/>
+          </a:xfrm>
+          <a:prstGeom prst="ellipse">
+            <a:avLst/>
+          </a:prstGeom>
+        </p:spPr>
+        <p:style>
+          <a:lnRef idx="2">
+            <a:schemeClr val="accent1">
+              <a:shade val="50000"/>
+            </a:schemeClr>
+          </a:lnRef>
+          <a:fillRef idx="1">
+            <a:schemeClr val="accent1"/>
+          </a:fillRef>
+          <a:effectRef idx="0">
+            <a:schemeClr val="accent1"/>
+          </a:effectRef>
+          <a:fontRef idx="minor">
+            <a:schemeClr val="lt1"/>
+          </a:fontRef>
+        </p:style>
+        <p:txBody>
+          <a:bodyPr rtlCol="0" anchor="ctr"/>
+          <a:lstStyle/>
+          <a:p>
+            <a:pPr algn="ctr"/>
+            <a:r>
+              <a:rPr kumimoji="1" lang="en-US" altLang="zh-CN" dirty="0"/>
+              <a:t>location</a:t>
+            </a:r>
+            <a:endParaRPr kumimoji="1" lang="zh-CN" altLang="en-US" dirty="0"/>
+          </a:p>
+        </p:txBody>
+      </p:sp>
+      <p:sp>
+        <p:nvSpPr>
+          <p:cNvPr id="154" name="椭圆 153">
+            <a:extLst>
+              <a:ext uri="{FF2B5EF4-FFF2-40B4-BE49-F238E27FC236}">
+                <a16:creationId xmlns:a16="http://schemas.microsoft.com/office/drawing/2014/main" id="{756454EC-6CC9-60F4-D694-3C9962F70D51}"/>
+              </a:ext>
+            </a:extLst>
+          </p:cNvPr>
+          <p:cNvSpPr/>
+          <p:nvPr/>
+        </p:nvSpPr>
+        <p:spPr>
+          <a:xfrm>
+            <a:off x="2112597" y="6264718"/>
+            <a:ext cx="1496942" cy="539600"/>
+          </a:xfrm>
+          <a:prstGeom prst="ellipse">
+            <a:avLst/>
+          </a:prstGeom>
+        </p:spPr>
+        <p:style>
+          <a:lnRef idx="2">
+            <a:schemeClr val="accent1">
+              <a:shade val="50000"/>
+            </a:schemeClr>
+          </a:lnRef>
+          <a:fillRef idx="1">
+            <a:schemeClr val="accent1"/>
+          </a:fillRef>
+          <a:effectRef idx="0">
+            <a:schemeClr val="accent1"/>
+          </a:effectRef>
+          <a:fontRef idx="minor">
+            <a:schemeClr val="lt1"/>
+          </a:fontRef>
+        </p:style>
+        <p:txBody>
+          <a:bodyPr rtlCol="0" anchor="ctr"/>
+          <a:lstStyle/>
+          <a:p>
+            <a:pPr algn="ctr"/>
+            <a:r>
+              <a:rPr kumimoji="1" lang="en-US" altLang="zh-CN" dirty="0"/>
+              <a:t>duration</a:t>
+            </a:r>
+            <a:endParaRPr kumimoji="1" lang="zh-CN" altLang="en-US" dirty="0"/>
+          </a:p>
+        </p:txBody>
+      </p:sp>
+      <p:sp>
+        <p:nvSpPr>
+          <p:cNvPr id="155" name="椭圆 154">
+            <a:extLst>
+              <a:ext uri="{FF2B5EF4-FFF2-40B4-BE49-F238E27FC236}">
+                <a16:creationId xmlns:a16="http://schemas.microsoft.com/office/drawing/2014/main" id="{E58C02EB-826C-780E-9C6C-0D9D9889262D}"/>
+              </a:ext>
+            </a:extLst>
+          </p:cNvPr>
+          <p:cNvSpPr/>
+          <p:nvPr/>
+        </p:nvSpPr>
+        <p:spPr>
+          <a:xfrm>
+            <a:off x="2240214" y="5608387"/>
+            <a:ext cx="1072251" cy="449993"/>
+          </a:xfrm>
+          <a:prstGeom prst="ellipse">
+            <a:avLst/>
+          </a:prstGeom>
+        </p:spPr>
+        <p:style>
+          <a:lnRef idx="2">
+            <a:schemeClr val="accent1">
+              <a:shade val="50000"/>
+            </a:schemeClr>
+          </a:lnRef>
+          <a:fillRef idx="1">
+            <a:schemeClr val="accent1"/>
+          </a:fillRef>
+          <a:effectRef idx="0">
+            <a:schemeClr val="accent1"/>
+          </a:effectRef>
+          <a:fontRef idx="minor">
+            <a:schemeClr val="lt1"/>
+          </a:fontRef>
+        </p:style>
+        <p:txBody>
+          <a:bodyPr rtlCol="0" anchor="ctr"/>
+          <a:lstStyle/>
+          <a:p>
+            <a:pPr algn="ctr"/>
+            <a:r>
+              <a:rPr kumimoji="1" lang="en-US" altLang="zh-CN" dirty="0"/>
+              <a:t>price</a:t>
+            </a:r>
+            <a:endParaRPr kumimoji="1" lang="zh-CN" altLang="en-US" dirty="0"/>
+          </a:p>
+        </p:txBody>
+      </p:sp>
+      <p:sp>
+        <p:nvSpPr>
+          <p:cNvPr id="157" name="文本框 156">
+            <a:extLst>
+              <a:ext uri="{FF2B5EF4-FFF2-40B4-BE49-F238E27FC236}">
+                <a16:creationId xmlns:a16="http://schemas.microsoft.com/office/drawing/2014/main" id="{2053D5BE-E0B5-481A-2FB0-60D85474D6BC}"/>
+              </a:ext>
+            </a:extLst>
+          </p:cNvPr>
+          <p:cNvSpPr txBox="1"/>
+          <p:nvPr/>
+        </p:nvSpPr>
+        <p:spPr>
+          <a:xfrm>
+            <a:off x="2255588" y="2422560"/>
+            <a:ext cx="312368" cy="646331"/>
+          </a:xfrm>
+          <a:prstGeom prst="rect">
+            <a:avLst/>
+          </a:prstGeom>
+          <a:noFill/>
+        </p:spPr>
+        <p:txBody>
+          <a:bodyPr wrap="square" rtlCol="0">
+            <a:spAutoFit/>
+          </a:bodyPr>
+          <a:lstStyle/>
+          <a:p>
+            <a:r>
+              <a:rPr kumimoji="1" lang="zh-CN" altLang="en-US" dirty="0"/>
+              <a:t> </a:t>
+            </a:r>
+            <a:r>
+              <a:rPr kumimoji="1" lang="en-US" altLang="zh-CN" dirty="0"/>
+              <a:t>n</a:t>
+            </a:r>
+            <a:endParaRPr kumimoji="1" lang="zh-CN" altLang="en-US" dirty="0"/>
+          </a:p>
+        </p:txBody>
+      </p:sp>
+      <p:sp>
+        <p:nvSpPr>
+          <p:cNvPr id="158" name="文本框 157">
+            <a:extLst>
+              <a:ext uri="{FF2B5EF4-FFF2-40B4-BE49-F238E27FC236}">
+                <a16:creationId xmlns:a16="http://schemas.microsoft.com/office/drawing/2014/main" id="{D815E26F-7BC4-DF60-D81D-4BD0B01A4611}"/>
+              </a:ext>
+            </a:extLst>
+          </p:cNvPr>
+          <p:cNvSpPr txBox="1"/>
+          <p:nvPr/>
+        </p:nvSpPr>
+        <p:spPr>
+          <a:xfrm>
+            <a:off x="1418271" y="4463291"/>
+            <a:ext cx="312368" cy="369332"/>
+          </a:xfrm>
+          <a:prstGeom prst="rect">
+            <a:avLst/>
+          </a:prstGeom>
+          <a:noFill/>
+        </p:spPr>
+        <p:txBody>
+          <a:bodyPr wrap="square" rtlCol="0">
+            <a:spAutoFit/>
+          </a:bodyPr>
+          <a:lstStyle/>
+          <a:p>
+            <a:r>
+              <a:rPr kumimoji="1" lang="en-US" altLang="zh-CN" dirty="0"/>
+              <a:t>1</a:t>
+            </a:r>
+            <a:endParaRPr kumimoji="1" lang="zh-CN" altLang="en-US" dirty="0"/>
+          </a:p>
+        </p:txBody>
+      </p:sp>
+      <p:cxnSp>
+        <p:nvCxnSpPr>
+          <p:cNvPr id="159" name="直线连接符 158">
+            <a:extLst>
+              <a:ext uri="{FF2B5EF4-FFF2-40B4-BE49-F238E27FC236}">
+                <a16:creationId xmlns:a16="http://schemas.microsoft.com/office/drawing/2014/main" id="{535267D9-CC67-770F-B2C8-9589CD118632}"/>
+              </a:ext>
+            </a:extLst>
+          </p:cNvPr>
+          <p:cNvCxnSpPr>
+            <a:cxnSpLocks/>
+            <a:stCxn id="93" idx="1"/>
+          </p:cNvCxnSpPr>
+          <p:nvPr/>
+        </p:nvCxnSpPr>
+        <p:spPr>
+          <a:xfrm flipH="1">
+            <a:off x="578746" y="5206088"/>
+            <a:ext cx="322479" cy="402299"/>
+          </a:xfrm>
+          <a:prstGeom prst="line">
+            <a:avLst/>
+          </a:prstGeom>
+          <a:ln w="19050">
+            <a:solidFill>
+              <a:schemeClr val="accent1"/>
+            </a:solidFill>
+          </a:ln>
+        </p:spPr>
+        <p:style>
+          <a:lnRef idx="1">
+            <a:schemeClr val="accent1"/>
+          </a:lnRef>
+          <a:fillRef idx="0">
+            <a:schemeClr val="accent1"/>
+          </a:fillRef>
+          <a:effectRef idx="0">
+            <a:schemeClr val="accent1"/>
+          </a:effectRef>
+          <a:fontRef idx="minor">
+            <a:schemeClr val="tx1"/>
+          </a:fontRef>
+        </p:style>
+      </p:cxnSp>
+      <p:cxnSp>
+        <p:nvCxnSpPr>
+          <p:cNvPr id="161" name="直线连接符 160">
+            <a:extLst>
+              <a:ext uri="{FF2B5EF4-FFF2-40B4-BE49-F238E27FC236}">
+                <a16:creationId xmlns:a16="http://schemas.microsoft.com/office/drawing/2014/main" id="{CF6F9248-FD0C-1773-2B82-CC907C3AEDC0}"/>
+              </a:ext>
+            </a:extLst>
+          </p:cNvPr>
+          <p:cNvCxnSpPr>
+            <a:cxnSpLocks/>
+            <a:stCxn id="93" idx="2"/>
+          </p:cNvCxnSpPr>
+          <p:nvPr/>
+        </p:nvCxnSpPr>
+        <p:spPr>
+          <a:xfrm flipH="1">
+            <a:off x="1225027" y="5568695"/>
+            <a:ext cx="238502" cy="595917"/>
+          </a:xfrm>
+          <a:prstGeom prst="line">
+            <a:avLst/>
+          </a:prstGeom>
+          <a:ln w="19050">
+            <a:solidFill>
+              <a:schemeClr val="accent1"/>
+            </a:solidFill>
+          </a:ln>
+        </p:spPr>
+        <p:style>
+          <a:lnRef idx="1">
+            <a:schemeClr val="accent1"/>
+          </a:lnRef>
+          <a:fillRef idx="0">
+            <a:schemeClr val="accent1"/>
+          </a:fillRef>
+          <a:effectRef idx="0">
+            <a:schemeClr val="accent1"/>
+          </a:effectRef>
+          <a:fontRef idx="minor">
+            <a:schemeClr val="tx1"/>
+          </a:fontRef>
+        </p:style>
+      </p:cxnSp>
+      <p:cxnSp>
+        <p:nvCxnSpPr>
+          <p:cNvPr id="163" name="直线连接符 162">
+            <a:extLst>
+              <a:ext uri="{FF2B5EF4-FFF2-40B4-BE49-F238E27FC236}">
+                <a16:creationId xmlns:a16="http://schemas.microsoft.com/office/drawing/2014/main" id="{25A3D054-797D-DC25-A9F2-1DAEAAC784F2}"/>
+              </a:ext>
+            </a:extLst>
+          </p:cNvPr>
+          <p:cNvCxnSpPr>
+            <a:cxnSpLocks/>
+            <a:stCxn id="93" idx="3"/>
+          </p:cNvCxnSpPr>
+          <p:nvPr/>
+        </p:nvCxnSpPr>
+        <p:spPr>
+          <a:xfrm>
+            <a:off x="2025832" y="5206088"/>
+            <a:ext cx="793644" cy="398571"/>
+          </a:xfrm>
+          <a:prstGeom prst="line">
+            <a:avLst/>
+          </a:prstGeom>
+          <a:ln w="19050">
+            <a:solidFill>
+              <a:schemeClr val="accent1"/>
+            </a:solidFill>
+          </a:ln>
+        </p:spPr>
+        <p:style>
+          <a:lnRef idx="1">
+            <a:schemeClr val="accent1"/>
+          </a:lnRef>
+          <a:fillRef idx="0">
+            <a:schemeClr val="accent1"/>
+          </a:fillRef>
+          <a:effectRef idx="0">
+            <a:schemeClr val="accent1"/>
+          </a:effectRef>
+          <a:fontRef idx="minor">
+            <a:schemeClr val="tx1"/>
+          </a:fontRef>
+        </p:style>
+      </p:cxnSp>
+      <p:cxnSp>
+        <p:nvCxnSpPr>
+          <p:cNvPr id="165" name="直线连接符 164">
+            <a:extLst>
+              <a:ext uri="{FF2B5EF4-FFF2-40B4-BE49-F238E27FC236}">
+                <a16:creationId xmlns:a16="http://schemas.microsoft.com/office/drawing/2014/main" id="{70952D22-910E-1F53-669F-BF225934C3B8}"/>
+              </a:ext>
+            </a:extLst>
+          </p:cNvPr>
+          <p:cNvCxnSpPr>
+            <a:cxnSpLocks/>
+            <a:stCxn id="93" idx="2"/>
+          </p:cNvCxnSpPr>
+          <p:nvPr/>
+        </p:nvCxnSpPr>
+        <p:spPr>
+          <a:xfrm>
+            <a:off x="1463529" y="5568695"/>
+            <a:ext cx="634178" cy="968261"/>
+          </a:xfrm>
+          <a:prstGeom prst="line">
+            <a:avLst/>
+          </a:prstGeom>
+          <a:ln w="19050">
+            <a:solidFill>
+              <a:schemeClr val="accent1"/>
+            </a:solidFill>
+          </a:ln>
+        </p:spPr>
+        <p:style>
+          <a:lnRef idx="1">
+            <a:schemeClr val="accent1"/>
+          </a:lnRef>
+          <a:fillRef idx="0">
+            <a:schemeClr val="accent1"/>
+          </a:fillRef>
+          <a:effectRef idx="0">
+            <a:schemeClr val="accent1"/>
+          </a:effectRef>
+          <a:fontRef idx="minor">
+            <a:schemeClr val="tx1"/>
+          </a:fontRef>
+        </p:style>
+      </p:cxnSp>
+    </p:spTree>
+    <p:extLst>
+      <p:ext uri="{BB962C8B-B14F-4D97-AF65-F5344CB8AC3E}">
+        <p14:creationId xmlns:p14="http://schemas.microsoft.com/office/powerpoint/2010/main" val="3918372673"/>
+      </p:ext>
+    </p:extLst>
+  </p:cSld>
+  <p:clrMapOvr>
+    <a:masterClrMapping/>
+  </p:clrMapOvr>
+</p:sld>
+</file>
+
 <file path=ppt/theme/theme1.xml><?xml version="1.0" encoding="utf-8"?>
 <a:theme xmlns:a="http://schemas.openxmlformats.org/drawingml/2006/main" name="Office 主题 2013 - 2022">
   <a:themeElements>
